--- a/Specification/smp.pptx
+++ b/Specification/smp.pptx
@@ -6,6 +6,8 @@
   </p:sldMasterIdLst>
   <p:sldIdLst>
     <p:sldId id="256" r:id="rId2"/>
+    <p:sldId id="258" r:id="rId3"/>
+    <p:sldId id="257" r:id="rId4"/>
   </p:sldIdLst>
   <p:sldSz cx="9144000" cy="6858000" type="screen4x3"/>
   <p:notesSz cx="6858000" cy="9144000"/>
@@ -288,7 +290,8 @@
           <a:p>
             <a:fld id="{20C88CE4-586A-49D2-BD62-6500681276D1}" type="datetimeFigureOut">
               <a:rPr lang="zh-TW" altLang="en-US" smtClean="0"/>
-              <a:t>2017/7/4</a:t>
+              <a:pPr/>
+              <a:t>2018/6/15</a:t>
             </a:fld>
             <a:endParaRPr lang="zh-TW" altLang="en-US"/>
           </a:p>
@@ -330,6 +333,7 @@
           <a:p>
             <a:fld id="{8985B537-03A0-4701-ADB2-E6CCD0EA58A8}" type="slidenum">
               <a:rPr lang="zh-TW" altLang="en-US" smtClean="0"/>
+              <a:pPr/>
               <a:t>‹#›</a:t>
             </a:fld>
             <a:endParaRPr lang="zh-TW" altLang="en-US"/>
@@ -453,7 +457,8 @@
           <a:p>
             <a:fld id="{20C88CE4-586A-49D2-BD62-6500681276D1}" type="datetimeFigureOut">
               <a:rPr lang="zh-TW" altLang="en-US" smtClean="0"/>
-              <a:t>2017/7/4</a:t>
+              <a:pPr/>
+              <a:t>2018/6/15</a:t>
             </a:fld>
             <a:endParaRPr lang="zh-TW" altLang="en-US"/>
           </a:p>
@@ -495,6 +500,7 @@
           <a:p>
             <a:fld id="{8985B537-03A0-4701-ADB2-E6CCD0EA58A8}" type="slidenum">
               <a:rPr lang="zh-TW" altLang="en-US" smtClean="0"/>
+              <a:pPr/>
               <a:t>‹#›</a:t>
             </a:fld>
             <a:endParaRPr lang="zh-TW" altLang="en-US"/>
@@ -628,7 +634,8 @@
           <a:p>
             <a:fld id="{20C88CE4-586A-49D2-BD62-6500681276D1}" type="datetimeFigureOut">
               <a:rPr lang="zh-TW" altLang="en-US" smtClean="0"/>
-              <a:t>2017/7/4</a:t>
+              <a:pPr/>
+              <a:t>2018/6/15</a:t>
             </a:fld>
             <a:endParaRPr lang="zh-TW" altLang="en-US"/>
           </a:p>
@@ -670,6 +677,7 @@
           <a:p>
             <a:fld id="{8985B537-03A0-4701-ADB2-E6CCD0EA58A8}" type="slidenum">
               <a:rPr lang="zh-TW" altLang="en-US" smtClean="0"/>
+              <a:pPr/>
               <a:t>‹#›</a:t>
             </a:fld>
             <a:endParaRPr lang="zh-TW" altLang="en-US"/>
@@ -793,7 +801,8 @@
           <a:p>
             <a:fld id="{20C88CE4-586A-49D2-BD62-6500681276D1}" type="datetimeFigureOut">
               <a:rPr lang="zh-TW" altLang="en-US" smtClean="0"/>
-              <a:t>2017/7/4</a:t>
+              <a:pPr/>
+              <a:t>2018/6/15</a:t>
             </a:fld>
             <a:endParaRPr lang="zh-TW" altLang="en-US"/>
           </a:p>
@@ -835,6 +844,7 @@
           <a:p>
             <a:fld id="{8985B537-03A0-4701-ADB2-E6CCD0EA58A8}" type="slidenum">
               <a:rPr lang="zh-TW" altLang="en-US" smtClean="0"/>
+              <a:pPr/>
               <a:t>‹#›</a:t>
             </a:fld>
             <a:endParaRPr lang="zh-TW" altLang="en-US"/>
@@ -1034,7 +1044,8 @@
           <a:p>
             <a:fld id="{20C88CE4-586A-49D2-BD62-6500681276D1}" type="datetimeFigureOut">
               <a:rPr lang="zh-TW" altLang="en-US" smtClean="0"/>
-              <a:t>2017/7/4</a:t>
+              <a:pPr/>
+              <a:t>2018/6/15</a:t>
             </a:fld>
             <a:endParaRPr lang="zh-TW" altLang="en-US"/>
           </a:p>
@@ -1076,6 +1087,7 @@
           <a:p>
             <a:fld id="{8985B537-03A0-4701-ADB2-E6CCD0EA58A8}" type="slidenum">
               <a:rPr lang="zh-TW" altLang="en-US" smtClean="0"/>
+              <a:pPr/>
               <a:t>‹#›</a:t>
             </a:fld>
             <a:endParaRPr lang="zh-TW" altLang="en-US"/>
@@ -1317,7 +1329,8 @@
           <a:p>
             <a:fld id="{20C88CE4-586A-49D2-BD62-6500681276D1}" type="datetimeFigureOut">
               <a:rPr lang="zh-TW" altLang="en-US" smtClean="0"/>
-              <a:t>2017/7/4</a:t>
+              <a:pPr/>
+              <a:t>2018/6/15</a:t>
             </a:fld>
             <a:endParaRPr lang="zh-TW" altLang="en-US"/>
           </a:p>
@@ -1359,6 +1372,7 @@
           <a:p>
             <a:fld id="{8985B537-03A0-4701-ADB2-E6CCD0EA58A8}" type="slidenum">
               <a:rPr lang="zh-TW" altLang="en-US" smtClean="0"/>
+              <a:pPr/>
               <a:t>‹#›</a:t>
             </a:fld>
             <a:endParaRPr lang="zh-TW" altLang="en-US"/>
@@ -1734,7 +1748,8 @@
           <a:p>
             <a:fld id="{20C88CE4-586A-49D2-BD62-6500681276D1}" type="datetimeFigureOut">
               <a:rPr lang="zh-TW" altLang="en-US" smtClean="0"/>
-              <a:t>2017/7/4</a:t>
+              <a:pPr/>
+              <a:t>2018/6/15</a:t>
             </a:fld>
             <a:endParaRPr lang="zh-TW" altLang="en-US"/>
           </a:p>
@@ -1776,6 +1791,7 @@
           <a:p>
             <a:fld id="{8985B537-03A0-4701-ADB2-E6CCD0EA58A8}" type="slidenum">
               <a:rPr lang="zh-TW" altLang="en-US" smtClean="0"/>
+              <a:pPr/>
               <a:t>‹#›</a:t>
             </a:fld>
             <a:endParaRPr lang="zh-TW" altLang="en-US"/>
@@ -1847,7 +1863,8 @@
           <a:p>
             <a:fld id="{20C88CE4-586A-49D2-BD62-6500681276D1}" type="datetimeFigureOut">
               <a:rPr lang="zh-TW" altLang="en-US" smtClean="0"/>
-              <a:t>2017/7/4</a:t>
+              <a:pPr/>
+              <a:t>2018/6/15</a:t>
             </a:fld>
             <a:endParaRPr lang="zh-TW" altLang="en-US"/>
           </a:p>
@@ -1889,6 +1906,7 @@
           <a:p>
             <a:fld id="{8985B537-03A0-4701-ADB2-E6CCD0EA58A8}" type="slidenum">
               <a:rPr lang="zh-TW" altLang="en-US" smtClean="0"/>
+              <a:pPr/>
               <a:t>‹#›</a:t>
             </a:fld>
             <a:endParaRPr lang="zh-TW" altLang="en-US"/>
@@ -1937,7 +1955,8 @@
           <a:p>
             <a:fld id="{20C88CE4-586A-49D2-BD62-6500681276D1}" type="datetimeFigureOut">
               <a:rPr lang="zh-TW" altLang="en-US" smtClean="0"/>
-              <a:t>2017/7/4</a:t>
+              <a:pPr/>
+              <a:t>2018/6/15</a:t>
             </a:fld>
             <a:endParaRPr lang="zh-TW" altLang="en-US"/>
           </a:p>
@@ -1979,6 +1998,7 @@
           <a:p>
             <a:fld id="{8985B537-03A0-4701-ADB2-E6CCD0EA58A8}" type="slidenum">
               <a:rPr lang="zh-TW" altLang="en-US" smtClean="0"/>
+              <a:pPr/>
               <a:t>‹#›</a:t>
             </a:fld>
             <a:endParaRPr lang="zh-TW" altLang="en-US"/>
@@ -2209,7 +2229,8 @@
           <a:p>
             <a:fld id="{20C88CE4-586A-49D2-BD62-6500681276D1}" type="datetimeFigureOut">
               <a:rPr lang="zh-TW" altLang="en-US" smtClean="0"/>
-              <a:t>2017/7/4</a:t>
+              <a:pPr/>
+              <a:t>2018/6/15</a:t>
             </a:fld>
             <a:endParaRPr lang="zh-TW" altLang="en-US"/>
           </a:p>
@@ -2251,6 +2272,7 @@
           <a:p>
             <a:fld id="{8985B537-03A0-4701-ADB2-E6CCD0EA58A8}" type="slidenum">
               <a:rPr lang="zh-TW" altLang="en-US" smtClean="0"/>
+              <a:pPr/>
               <a:t>‹#›</a:t>
             </a:fld>
             <a:endParaRPr lang="zh-TW" altLang="en-US"/>
@@ -2457,7 +2479,8 @@
           <a:p>
             <a:fld id="{20C88CE4-586A-49D2-BD62-6500681276D1}" type="datetimeFigureOut">
               <a:rPr lang="zh-TW" altLang="en-US" smtClean="0"/>
-              <a:t>2017/7/4</a:t>
+              <a:pPr/>
+              <a:t>2018/6/15</a:t>
             </a:fld>
             <a:endParaRPr lang="zh-TW" altLang="en-US"/>
           </a:p>
@@ -2499,6 +2522,7 @@
           <a:p>
             <a:fld id="{8985B537-03A0-4701-ADB2-E6CCD0EA58A8}" type="slidenum">
               <a:rPr lang="zh-TW" altLang="en-US" smtClean="0"/>
+              <a:pPr/>
               <a:t>‹#›</a:t>
             </a:fld>
             <a:endParaRPr lang="zh-TW" altLang="en-US"/>
@@ -2665,7 +2689,8 @@
           <a:p>
             <a:fld id="{20C88CE4-586A-49D2-BD62-6500681276D1}" type="datetimeFigureOut">
               <a:rPr lang="zh-TW" altLang="en-US" smtClean="0"/>
-              <a:t>2017/7/4</a:t>
+              <a:pPr/>
+              <a:t>2018/6/15</a:t>
             </a:fld>
             <a:endParaRPr lang="zh-TW" altLang="en-US"/>
           </a:p>
@@ -2743,6 +2768,7 @@
           <a:p>
             <a:fld id="{8985B537-03A0-4701-ADB2-E6CCD0EA58A8}" type="slidenum">
               <a:rPr lang="zh-TW" altLang="en-US" smtClean="0"/>
+              <a:pPr/>
               <a:t>‹#›</a:t>
             </a:fld>
             <a:endParaRPr lang="zh-TW" altLang="en-US"/>
@@ -3037,91 +3063,340 @@
       </p:grpSpPr>
       <p:grpSp>
         <p:nvGrpSpPr>
-          <p:cNvPr id="50" name="群組 49"/>
+          <p:cNvPr id="6" name="群組 5"/>
           <p:cNvGrpSpPr/>
           <p:nvPr/>
         </p:nvGrpSpPr>
         <p:grpSpPr>
           <a:xfrm>
-            <a:off x="0" y="836712"/>
-            <a:ext cx="9144000" cy="5760640"/>
-            <a:chOff x="0" y="836712"/>
-            <a:chExt cx="9144000" cy="5760640"/>
+            <a:off x="0" y="3933056"/>
+            <a:ext cx="1368152" cy="1513005"/>
+            <a:chOff x="395536" y="2636912"/>
+            <a:chExt cx="1882733" cy="2089069"/>
           </a:xfrm>
         </p:grpSpPr>
-        <p:grpSp>
-          <p:nvGrpSpPr>
-            <p:cNvPr id="6" name="群組 5"/>
-            <p:cNvGrpSpPr/>
+        <p:pic>
+          <p:nvPicPr>
+            <p:cNvPr id="5" name="圖片 4" descr="fl.png"/>
+            <p:cNvPicPr>
+              <a:picLocks noChangeAspect="1"/>
+            </p:cNvPicPr>
             <p:nvPr/>
-          </p:nvGrpSpPr>
-          <p:grpSpPr>
+          </p:nvPicPr>
+          <p:blipFill>
+            <a:blip r:embed="rId2" cstate="print"/>
+            <a:stretch>
+              <a:fillRect/>
+            </a:stretch>
+          </p:blipFill>
+          <p:spPr>
             <a:xfrm>
-              <a:off x="0" y="3933056"/>
-              <a:ext cx="1368152" cy="1513005"/>
-              <a:chOff x="395536" y="2636912"/>
-              <a:chExt cx="1882733" cy="2089069"/>
+              <a:off x="1259632" y="2636912"/>
+              <a:ext cx="1018637" cy="2089069"/>
             </a:xfrm>
-          </p:grpSpPr>
-          <p:pic>
-            <p:nvPicPr>
-              <p:cNvPr id="5" name="圖片 4" descr="fl.png"/>
-              <p:cNvPicPr>
-                <a:picLocks noChangeAspect="1"/>
-              </p:cNvPicPr>
-              <p:nvPr/>
-            </p:nvPicPr>
-            <p:blipFill>
-              <a:blip r:embed="rId2" cstate="print"/>
-              <a:stretch>
-                <a:fillRect/>
-              </a:stretch>
-            </p:blipFill>
-            <p:spPr>
-              <a:xfrm>
-                <a:off x="1259632" y="2636912"/>
-                <a:ext cx="1018637" cy="2089069"/>
-              </a:xfrm>
-              <a:prstGeom prst="rect">
-                <a:avLst/>
-              </a:prstGeom>
-            </p:spPr>
-          </p:pic>
-          <p:pic>
-            <p:nvPicPr>
-              <p:cNvPr id="4" name="圖片 3" descr="Devices-audio-card-icon.png"/>
-              <p:cNvPicPr>
-                <a:picLocks noChangeAspect="1"/>
-              </p:cNvPicPr>
-              <p:nvPr/>
-            </p:nvPicPr>
-            <p:blipFill>
-              <a:blip r:embed="rId3" cstate="print"/>
-              <a:stretch>
-                <a:fillRect/>
-              </a:stretch>
-            </p:blipFill>
-            <p:spPr>
-              <a:xfrm>
-                <a:off x="395536" y="3501008"/>
-                <a:ext cx="1219200" cy="1219200"/>
-              </a:xfrm>
-              <a:prstGeom prst="rect">
-                <a:avLst/>
-              </a:prstGeom>
-            </p:spPr>
-          </p:pic>
-        </p:grpSp>
+            <a:prstGeom prst="rect">
+              <a:avLst/>
+            </a:prstGeom>
+          </p:spPr>
+        </p:pic>
+        <p:pic>
+          <p:nvPicPr>
+            <p:cNvPr id="4" name="圖片 3" descr="Devices-audio-card-icon.png"/>
+            <p:cNvPicPr>
+              <a:picLocks noChangeAspect="1"/>
+            </p:cNvPicPr>
+            <p:nvPr/>
+          </p:nvPicPr>
+          <p:blipFill>
+            <a:blip r:embed="rId3" cstate="print"/>
+            <a:stretch>
+              <a:fillRect/>
+            </a:stretch>
+          </p:blipFill>
+          <p:spPr>
+            <a:xfrm>
+              <a:off x="395536" y="3501008"/>
+              <a:ext cx="1219200" cy="1219200"/>
+            </a:xfrm>
+            <a:prstGeom prst="rect">
+              <a:avLst/>
+            </a:prstGeom>
+          </p:spPr>
+        </p:pic>
+      </p:grpSp>
+      <p:sp>
+        <p:nvSpPr>
+          <p:cNvPr id="7" name="圓角矩形 6"/>
+          <p:cNvSpPr/>
+          <p:nvPr/>
+        </p:nvSpPr>
+        <p:spPr>
+          <a:xfrm>
+            <a:off x="2915816" y="836712"/>
+            <a:ext cx="3024336" cy="4032448"/>
+          </a:xfrm>
+          <a:prstGeom prst="roundRect">
+            <a:avLst/>
+          </a:prstGeom>
+        </p:spPr>
+        <p:style>
+          <a:lnRef idx="1">
+            <a:schemeClr val="accent1"/>
+          </a:lnRef>
+          <a:fillRef idx="2">
+            <a:schemeClr val="accent1"/>
+          </a:fillRef>
+          <a:effectRef idx="1">
+            <a:schemeClr val="accent1"/>
+          </a:effectRef>
+          <a:fontRef idx="minor">
+            <a:schemeClr val="dk1"/>
+          </a:fontRef>
+        </p:style>
+        <p:txBody>
+          <a:bodyPr rtlCol="0" anchor="ctr"/>
+          <a:lstStyle/>
+          <a:p>
+            <a:pPr algn="ctr"/>
+            <a:endParaRPr lang="zh-TW" altLang="en-US"/>
+          </a:p>
+        </p:txBody>
+      </p:sp>
+      <p:sp>
+        <p:nvSpPr>
+          <p:cNvPr id="8" name="文字方塊 7"/>
+          <p:cNvSpPr txBox="1"/>
+          <p:nvPr/>
+        </p:nvSpPr>
+        <p:spPr>
+          <a:xfrm>
+            <a:off x="539552" y="6021288"/>
+            <a:ext cx="1152128" cy="369332"/>
+          </a:xfrm>
+          <a:prstGeom prst="rect">
+            <a:avLst/>
+          </a:prstGeom>
+          <a:noFill/>
+        </p:spPr>
+        <p:txBody>
+          <a:bodyPr wrap="square" rtlCol="0">
+            <a:spAutoFit/>
+          </a:bodyPr>
+          <a:lstStyle/>
+          <a:p>
+            <a:pPr algn="ctr"/>
+            <a:r>
+              <a:rPr lang="en-US" altLang="zh-TW" dirty="0" smtClean="0"/>
+              <a:t>Device</a:t>
+            </a:r>
+            <a:endParaRPr lang="zh-TW" altLang="en-US" dirty="0"/>
+          </a:p>
+        </p:txBody>
+      </p:sp>
+      <p:cxnSp>
+        <p:nvCxnSpPr>
+          <p:cNvPr id="10" name="圖案 9"/>
+          <p:cNvCxnSpPr>
+            <a:stCxn id="7" idx="1"/>
+            <a:endCxn id="18" idx="0"/>
+          </p:cNvCxnSpPr>
+          <p:nvPr/>
+        </p:nvCxnSpPr>
+        <p:spPr>
+          <a:xfrm rot="10800000" flipV="1">
+            <a:off x="1475656" y="2852936"/>
+            <a:ext cx="1440160" cy="2160240"/>
+          </a:xfrm>
+          <a:prstGeom prst="bentConnector2">
+            <a:avLst/>
+          </a:prstGeom>
+          <a:ln>
+            <a:headEnd type="arrow"/>
+            <a:tailEnd type="arrow"/>
+          </a:ln>
+        </p:spPr>
+        <p:style>
+          <a:lnRef idx="3">
+            <a:schemeClr val="accent1"/>
+          </a:lnRef>
+          <a:fillRef idx="0">
+            <a:schemeClr val="accent1"/>
+          </a:fillRef>
+          <a:effectRef idx="2">
+            <a:schemeClr val="accent1"/>
+          </a:effectRef>
+          <a:fontRef idx="minor">
+            <a:schemeClr val="tx1"/>
+          </a:fontRef>
+        </p:style>
+      </p:cxnSp>
+      <p:sp>
+        <p:nvSpPr>
+          <p:cNvPr id="11" name="文字方塊 10"/>
+          <p:cNvSpPr txBox="1"/>
+          <p:nvPr/>
+        </p:nvSpPr>
+        <p:spPr>
+          <a:xfrm>
+            <a:off x="179512" y="2420888"/>
+            <a:ext cx="2771800" cy="369332"/>
+          </a:xfrm>
+          <a:prstGeom prst="rect">
+            <a:avLst/>
+          </a:prstGeom>
+          <a:noFill/>
+        </p:spPr>
+        <p:txBody>
+          <a:bodyPr wrap="square" rtlCol="0">
+            <a:spAutoFit/>
+          </a:bodyPr>
+          <a:lstStyle/>
+          <a:p>
+            <a:pPr algn="ctr"/>
+            <a:r>
+              <a:rPr lang="en-US" altLang="zh-TW" dirty="0" smtClean="0"/>
+              <a:t>Semantic Message Protocol</a:t>
+            </a:r>
+            <a:endParaRPr lang="zh-TW" altLang="en-US" dirty="0"/>
+          </a:p>
+        </p:txBody>
+      </p:sp>
+      <p:sp>
+        <p:nvSpPr>
+          <p:cNvPr id="15" name="文字方塊 14"/>
+          <p:cNvSpPr txBox="1"/>
+          <p:nvPr/>
+        </p:nvSpPr>
+        <p:spPr>
+          <a:xfrm>
+            <a:off x="3059832" y="3861048"/>
+            <a:ext cx="2736304" cy="369332"/>
+          </a:xfrm>
+          <a:prstGeom prst="rect">
+            <a:avLst/>
+          </a:prstGeom>
+        </p:spPr>
+        <p:style>
+          <a:lnRef idx="1">
+            <a:schemeClr val="accent6"/>
+          </a:lnRef>
+          <a:fillRef idx="3">
+            <a:schemeClr val="accent6"/>
+          </a:fillRef>
+          <a:effectRef idx="2">
+            <a:schemeClr val="accent6"/>
+          </a:effectRef>
+          <a:fontRef idx="minor">
+            <a:schemeClr val="lt1"/>
+          </a:fontRef>
+        </p:style>
+        <p:txBody>
+          <a:bodyPr wrap="square" rtlCol="0">
+            <a:spAutoFit/>
+          </a:bodyPr>
+          <a:lstStyle/>
+          <a:p>
+            <a:pPr algn="ctr"/>
+            <a:r>
+              <a:rPr lang="en-US" altLang="zh-TW" dirty="0" smtClean="0"/>
+              <a:t>SMP Module</a:t>
+            </a:r>
+            <a:endParaRPr lang="zh-TW" altLang="en-US" dirty="0"/>
+          </a:p>
+        </p:txBody>
+      </p:sp>
+      <p:sp>
+        <p:nvSpPr>
+          <p:cNvPr id="16" name="文字方塊 15"/>
+          <p:cNvSpPr txBox="1"/>
+          <p:nvPr/>
+        </p:nvSpPr>
+        <p:spPr>
+          <a:xfrm>
+            <a:off x="3059832" y="4293096"/>
+            <a:ext cx="2736304" cy="369332"/>
+          </a:xfrm>
+          <a:prstGeom prst="rect">
+            <a:avLst/>
+          </a:prstGeom>
+        </p:spPr>
+        <p:style>
+          <a:lnRef idx="1">
+            <a:schemeClr val="accent5"/>
+          </a:lnRef>
+          <a:fillRef idx="3">
+            <a:schemeClr val="accent5"/>
+          </a:fillRef>
+          <a:effectRef idx="2">
+            <a:schemeClr val="accent5"/>
+          </a:effectRef>
+          <a:fontRef idx="minor">
+            <a:schemeClr val="lt1"/>
+          </a:fontRef>
+        </p:style>
+        <p:txBody>
+          <a:bodyPr wrap="square" rtlCol="0">
+            <a:spAutoFit/>
+          </a:bodyPr>
+          <a:lstStyle/>
+          <a:p>
+            <a:pPr algn="ctr"/>
+            <a:r>
+              <a:rPr lang="en-US" altLang="zh-TW" dirty="0" smtClean="0"/>
+              <a:t>Linux</a:t>
+            </a:r>
+            <a:endParaRPr lang="zh-TW" altLang="en-US" dirty="0"/>
+          </a:p>
+        </p:txBody>
+      </p:sp>
+      <p:pic>
+        <p:nvPicPr>
+          <p:cNvPr id="17" name="圖片 16" descr="Server-cloud-icon.png"/>
+          <p:cNvPicPr>
+            <a:picLocks noChangeAspect="1"/>
+          </p:cNvPicPr>
+          <p:nvPr/>
+        </p:nvPicPr>
+        <p:blipFill>
+          <a:blip r:embed="rId4" cstate="print"/>
+          <a:stretch>
+            <a:fillRect/>
+          </a:stretch>
+        </p:blipFill>
+        <p:spPr>
+          <a:xfrm>
+            <a:off x="1979712" y="836712"/>
+            <a:ext cx="1219200" cy="1219200"/>
+          </a:xfrm>
+          <a:prstGeom prst="rect">
+            <a:avLst/>
+          </a:prstGeom>
+        </p:spPr>
+      </p:pic>
+      <p:grpSp>
+        <p:nvGrpSpPr>
+          <p:cNvPr id="24" name="群組 23"/>
+          <p:cNvGrpSpPr/>
+          <p:nvPr/>
+        </p:nvGrpSpPr>
+        <p:grpSpPr>
+          <a:xfrm>
+            <a:off x="395536" y="5013176"/>
+            <a:ext cx="2160240" cy="1584176"/>
+            <a:chOff x="1691680" y="5085184"/>
+            <a:chExt cx="2160240" cy="1584176"/>
+          </a:xfrm>
+        </p:grpSpPr>
         <p:sp>
           <p:nvSpPr>
-            <p:cNvPr id="7" name="圓角矩形 6"/>
+            <p:cNvPr id="18" name="圓角矩形 17"/>
             <p:cNvSpPr/>
             <p:nvPr/>
           </p:nvSpPr>
           <p:spPr>
             <a:xfrm>
-              <a:off x="2915816" y="836712"/>
-              <a:ext cx="3024336" cy="4032448"/>
+              <a:off x="1691680" y="5085184"/>
+              <a:ext cx="2160240" cy="1584176"/>
             </a:xfrm>
             <a:prstGeom prst="roundRect">
               <a:avLst/>
@@ -3129,13 +3404,13 @@
           </p:spPr>
           <p:style>
             <a:lnRef idx="1">
-              <a:schemeClr val="accent1"/>
+              <a:schemeClr val="accent3"/>
             </a:lnRef>
             <a:fillRef idx="2">
-              <a:schemeClr val="accent1"/>
+              <a:schemeClr val="accent3"/>
             </a:fillRef>
             <a:effectRef idx="1">
-              <a:schemeClr val="accent1"/>
+              <a:schemeClr val="accent3"/>
             </a:effectRef>
             <a:fontRef idx="minor">
               <a:schemeClr val="dk1"/>
@@ -3152,20 +3427,33 @@
         </p:sp>
         <p:sp>
           <p:nvSpPr>
-            <p:cNvPr id="8" name="文字方塊 7"/>
+            <p:cNvPr id="19" name="文字方塊 18"/>
             <p:cNvSpPr txBox="1"/>
             <p:nvPr/>
           </p:nvSpPr>
           <p:spPr>
             <a:xfrm>
-              <a:off x="539552" y="6021288"/>
-              <a:ext cx="1152128" cy="369332"/>
+              <a:off x="1763688" y="5733256"/>
+              <a:ext cx="2016224" cy="369332"/>
             </a:xfrm>
             <a:prstGeom prst="rect">
               <a:avLst/>
             </a:prstGeom>
-            <a:noFill/>
           </p:spPr>
+          <p:style>
+            <a:lnRef idx="1">
+              <a:schemeClr val="accent2"/>
+            </a:lnRef>
+            <a:fillRef idx="3">
+              <a:schemeClr val="accent2"/>
+            </a:fillRef>
+            <a:effectRef idx="2">
+              <a:schemeClr val="accent2"/>
+            </a:effectRef>
+            <a:fontRef idx="minor">
+              <a:schemeClr val="lt1"/>
+            </a:fontRef>
+          </p:style>
           <p:txBody>
             <a:bodyPr wrap="square" rtlCol="0">
               <a:spAutoFit/>
@@ -3174,66 +3462,42 @@
             <a:p>
               <a:pPr algn="ctr"/>
               <a:r>
-                <a:rPr lang="en-US" altLang="zh-TW" dirty="0" smtClean="0"/>
-                <a:t>Device</a:t>
+                <a:rPr lang="en-US" altLang="zh-TW" dirty="0"/>
+                <a:t>speech recognition</a:t>
               </a:r>
               <a:endParaRPr lang="zh-TW" altLang="en-US" dirty="0"/>
             </a:p>
           </p:txBody>
         </p:sp>
-        <p:cxnSp>
-          <p:nvCxnSpPr>
-            <p:cNvPr id="10" name="圖案 9"/>
-            <p:cNvCxnSpPr>
-              <a:stCxn id="7" idx="1"/>
-              <a:endCxn id="18" idx="0"/>
-            </p:cNvCxnSpPr>
-            <p:nvPr/>
-          </p:nvCxnSpPr>
-          <p:spPr>
-            <a:xfrm rot="10800000" flipV="1">
-              <a:off x="1475656" y="2852936"/>
-              <a:ext cx="1440160" cy="2160240"/>
-            </a:xfrm>
-            <a:prstGeom prst="bentConnector2">
-              <a:avLst/>
-            </a:prstGeom>
-            <a:ln>
-              <a:headEnd type="arrow"/>
-              <a:tailEnd type="arrow"/>
-            </a:ln>
-          </p:spPr>
-          <p:style>
-            <a:lnRef idx="3">
-              <a:schemeClr val="accent1"/>
-            </a:lnRef>
-            <a:fillRef idx="0">
-              <a:schemeClr val="accent1"/>
-            </a:fillRef>
-            <a:effectRef idx="2">
-              <a:schemeClr val="accent1"/>
-            </a:effectRef>
-            <a:fontRef idx="minor">
-              <a:schemeClr val="tx1"/>
-            </a:fontRef>
-          </p:style>
-        </p:cxnSp>
         <p:sp>
           <p:nvSpPr>
-            <p:cNvPr id="11" name="文字方塊 10"/>
+            <p:cNvPr id="21" name="文字方塊 20"/>
             <p:cNvSpPr txBox="1"/>
             <p:nvPr/>
           </p:nvSpPr>
           <p:spPr>
             <a:xfrm>
-              <a:off x="179512" y="2420888"/>
-              <a:ext cx="2771800" cy="369332"/>
+              <a:off x="1763688" y="6237312"/>
+              <a:ext cx="2016224" cy="369332"/>
             </a:xfrm>
             <a:prstGeom prst="rect">
               <a:avLst/>
             </a:prstGeom>
-            <a:noFill/>
           </p:spPr>
+          <p:style>
+            <a:lnRef idx="1">
+              <a:schemeClr val="accent3"/>
+            </a:lnRef>
+            <a:fillRef idx="3">
+              <a:schemeClr val="accent3"/>
+            </a:fillRef>
+            <a:effectRef idx="2">
+              <a:schemeClr val="accent3"/>
+            </a:effectRef>
+            <a:fontRef idx="minor">
+              <a:schemeClr val="lt1"/>
+            </a:fontRef>
+          </p:style>
           <p:txBody>
             <a:bodyPr wrap="square" rtlCol="0">
               <a:spAutoFit/>
@@ -3242,8 +3506,8 @@
             <a:p>
               <a:pPr algn="ctr"/>
               <a:r>
-                <a:rPr lang="en-US" altLang="zh-TW" dirty="0" smtClean="0"/>
-                <a:t>Semantic Message Protocol</a:t>
+                <a:rPr lang="en-US" altLang="zh-TW" dirty="0"/>
+                <a:t>text-to-speech</a:t>
               </a:r>
               <a:endParaRPr lang="zh-TW" altLang="en-US" dirty="0"/>
             </a:p>
@@ -3251,14 +3515,14 @@
         </p:sp>
         <p:sp>
           <p:nvSpPr>
-            <p:cNvPr id="15" name="文字方塊 14"/>
+            <p:cNvPr id="22" name="文字方塊 21"/>
             <p:cNvSpPr txBox="1"/>
             <p:nvPr/>
           </p:nvSpPr>
           <p:spPr>
             <a:xfrm>
-              <a:off x="3059832" y="3861048"/>
-              <a:ext cx="2736304" cy="369332"/>
+              <a:off x="1763688" y="5229200"/>
+              <a:ext cx="2016224" cy="369332"/>
             </a:xfrm>
             <a:prstGeom prst="rect">
               <a:avLst/>
@@ -3293,16 +3557,746 @@
             </a:p>
           </p:txBody>
         </p:sp>
+      </p:grpSp>
+      <p:sp>
+        <p:nvSpPr>
+          <p:cNvPr id="28" name="文字方塊 27"/>
+          <p:cNvSpPr txBox="1"/>
+          <p:nvPr/>
+        </p:nvSpPr>
+        <p:spPr>
+          <a:xfrm>
+            <a:off x="7127776" y="6165304"/>
+            <a:ext cx="2016224" cy="369332"/>
+          </a:xfrm>
+          <a:prstGeom prst="rect">
+            <a:avLst/>
+          </a:prstGeom>
+          <a:noFill/>
+        </p:spPr>
+        <p:txBody>
+          <a:bodyPr wrap="square" rtlCol="0">
+            <a:spAutoFit/>
+          </a:bodyPr>
+          <a:lstStyle/>
+          <a:p>
+            <a:pPr algn="ctr"/>
+            <a:r>
+              <a:rPr lang="en-US" altLang="zh-TW" dirty="0" smtClean="0"/>
+              <a:t>Content Provider</a:t>
+            </a:r>
+            <a:endParaRPr lang="zh-TW" altLang="en-US" dirty="0"/>
+          </a:p>
+        </p:txBody>
+      </p:sp>
+      <p:cxnSp>
+        <p:nvCxnSpPr>
+          <p:cNvPr id="32" name="肘形接點 31"/>
+          <p:cNvCxnSpPr>
+            <a:stCxn id="7" idx="3"/>
+            <a:endCxn id="27" idx="1"/>
+          </p:cNvCxnSpPr>
+          <p:nvPr/>
+        </p:nvCxnSpPr>
+        <p:spPr>
+          <a:xfrm>
+            <a:off x="5940152" y="2852936"/>
+            <a:ext cx="1440160" cy="648072"/>
+          </a:xfrm>
+          <a:prstGeom prst="bentConnector3">
+            <a:avLst>
+              <a:gd name="adj1" fmla="val 50000"/>
+            </a:avLst>
+          </a:prstGeom>
+          <a:ln>
+            <a:headEnd type="arrow"/>
+            <a:tailEnd type="arrow"/>
+          </a:ln>
+        </p:spPr>
+        <p:style>
+          <a:lnRef idx="3">
+            <a:schemeClr val="accent3"/>
+          </a:lnRef>
+          <a:fillRef idx="0">
+            <a:schemeClr val="accent3"/>
+          </a:fillRef>
+          <a:effectRef idx="2">
+            <a:schemeClr val="accent3"/>
+          </a:effectRef>
+          <a:fontRef idx="minor">
+            <a:schemeClr val="tx1"/>
+          </a:fontRef>
+        </p:style>
+      </p:cxnSp>
+      <p:sp>
+        <p:nvSpPr>
+          <p:cNvPr id="33" name="文字方塊 32"/>
+          <p:cNvSpPr txBox="1"/>
+          <p:nvPr/>
+        </p:nvSpPr>
+        <p:spPr>
+          <a:xfrm>
+            <a:off x="6156176" y="2420888"/>
+            <a:ext cx="1008112" cy="369332"/>
+          </a:xfrm>
+          <a:prstGeom prst="rect">
+            <a:avLst/>
+          </a:prstGeom>
+          <a:noFill/>
+        </p:spPr>
+        <p:txBody>
+          <a:bodyPr wrap="square" rtlCol="0">
+            <a:spAutoFit/>
+          </a:bodyPr>
+          <a:lstStyle/>
+          <a:p>
+            <a:pPr algn="ctr"/>
+            <a:r>
+              <a:rPr lang="en-US" altLang="zh-TW" dirty="0" smtClean="0"/>
+              <a:t>REST API</a:t>
+            </a:r>
+            <a:endParaRPr lang="zh-TW" altLang="en-US" dirty="0"/>
+          </a:p>
+        </p:txBody>
+      </p:sp>
+      <p:sp>
+        <p:nvSpPr>
+          <p:cNvPr id="34" name="文字方塊 33"/>
+          <p:cNvSpPr txBox="1"/>
+          <p:nvPr/>
+        </p:nvSpPr>
+        <p:spPr>
+          <a:xfrm>
+            <a:off x="3059832" y="3429000"/>
+            <a:ext cx="2736304" cy="369332"/>
+          </a:xfrm>
+          <a:prstGeom prst="rect">
+            <a:avLst/>
+          </a:prstGeom>
+        </p:spPr>
+        <p:style>
+          <a:lnRef idx="1">
+            <a:schemeClr val="accent2"/>
+          </a:lnRef>
+          <a:fillRef idx="3">
+            <a:schemeClr val="accent2"/>
+          </a:fillRef>
+          <a:effectRef idx="2">
+            <a:schemeClr val="accent2"/>
+          </a:effectRef>
+          <a:fontRef idx="minor">
+            <a:schemeClr val="lt1"/>
+          </a:fontRef>
+        </p:style>
+        <p:txBody>
+          <a:bodyPr wrap="square" rtlCol="0">
+            <a:spAutoFit/>
+          </a:bodyPr>
+          <a:lstStyle/>
+          <a:p>
+            <a:pPr algn="ctr"/>
+            <a:r>
+              <a:rPr lang="en-US" altLang="zh-TW" dirty="0" smtClean="0"/>
+              <a:t>Semantic Analysis Module</a:t>
+            </a:r>
+            <a:endParaRPr lang="zh-TW" altLang="en-US" dirty="0"/>
+          </a:p>
+        </p:txBody>
+      </p:sp>
+      <p:sp>
+        <p:nvSpPr>
+          <p:cNvPr id="35" name="文字方塊 34"/>
+          <p:cNvSpPr txBox="1"/>
+          <p:nvPr/>
+        </p:nvSpPr>
+        <p:spPr>
+          <a:xfrm>
+            <a:off x="3059832" y="2996952"/>
+            <a:ext cx="2736304" cy="369332"/>
+          </a:xfrm>
+          <a:prstGeom prst="rect">
+            <a:avLst/>
+          </a:prstGeom>
+        </p:spPr>
+        <p:style>
+          <a:lnRef idx="1">
+            <a:schemeClr val="accent4"/>
+          </a:lnRef>
+          <a:fillRef idx="3">
+            <a:schemeClr val="accent4"/>
+          </a:fillRef>
+          <a:effectRef idx="2">
+            <a:schemeClr val="accent4"/>
+          </a:effectRef>
+          <a:fontRef idx="minor">
+            <a:schemeClr val="lt1"/>
+          </a:fontRef>
+        </p:style>
+        <p:txBody>
+          <a:bodyPr wrap="square" rtlCol="0">
+            <a:spAutoFit/>
+          </a:bodyPr>
+          <a:lstStyle/>
+          <a:p>
+            <a:pPr algn="ctr"/>
+            <a:r>
+              <a:rPr lang="en-US" altLang="zh-TW" dirty="0" smtClean="0"/>
+              <a:t>Dictionary Search Module</a:t>
+            </a:r>
+            <a:endParaRPr lang="zh-TW" altLang="en-US" dirty="0"/>
+          </a:p>
+        </p:txBody>
+      </p:sp>
+      <p:sp>
+        <p:nvSpPr>
+          <p:cNvPr id="36" name="文字方塊 35"/>
+          <p:cNvSpPr txBox="1"/>
+          <p:nvPr/>
+        </p:nvSpPr>
+        <p:spPr>
+          <a:xfrm>
+            <a:off x="3059832" y="2564904"/>
+            <a:ext cx="2736304" cy="369332"/>
+          </a:xfrm>
+          <a:prstGeom prst="rect">
+            <a:avLst/>
+          </a:prstGeom>
+        </p:spPr>
+        <p:style>
+          <a:lnRef idx="1">
+            <a:schemeClr val="accent3"/>
+          </a:lnRef>
+          <a:fillRef idx="3">
+            <a:schemeClr val="accent3"/>
+          </a:fillRef>
+          <a:effectRef idx="2">
+            <a:schemeClr val="accent3"/>
+          </a:effectRef>
+          <a:fontRef idx="minor">
+            <a:schemeClr val="lt1"/>
+          </a:fontRef>
+        </p:style>
+        <p:txBody>
+          <a:bodyPr wrap="square" rtlCol="0">
+            <a:spAutoFit/>
+          </a:bodyPr>
+          <a:lstStyle/>
+          <a:p>
+            <a:pPr algn="ctr"/>
+            <a:r>
+              <a:rPr lang="en-US" altLang="zh-TW" dirty="0" smtClean="0"/>
+              <a:t>Ranking Module</a:t>
+            </a:r>
+            <a:endParaRPr lang="zh-TW" altLang="en-US" dirty="0"/>
+          </a:p>
+        </p:txBody>
+      </p:sp>
+      <p:sp>
+        <p:nvSpPr>
+          <p:cNvPr id="37" name="文字方塊 36"/>
+          <p:cNvSpPr txBox="1"/>
+          <p:nvPr/>
+        </p:nvSpPr>
+        <p:spPr>
+          <a:xfrm>
+            <a:off x="3059832" y="2132856"/>
+            <a:ext cx="2736304" cy="369332"/>
+          </a:xfrm>
+          <a:prstGeom prst="rect">
+            <a:avLst/>
+          </a:prstGeom>
+        </p:spPr>
+        <p:style>
+          <a:lnRef idx="1">
+            <a:schemeClr val="accent5"/>
+          </a:lnRef>
+          <a:fillRef idx="3">
+            <a:schemeClr val="accent5"/>
+          </a:fillRef>
+          <a:effectRef idx="2">
+            <a:schemeClr val="accent5"/>
+          </a:effectRef>
+          <a:fontRef idx="minor">
+            <a:schemeClr val="lt1"/>
+          </a:fontRef>
+        </p:style>
+        <p:txBody>
+          <a:bodyPr wrap="square" rtlCol="0">
+            <a:spAutoFit/>
+          </a:bodyPr>
+          <a:lstStyle/>
+          <a:p>
+            <a:pPr algn="ctr"/>
+            <a:r>
+              <a:rPr lang="en-US" altLang="zh-TW" dirty="0" smtClean="0"/>
+              <a:t>Contain Manager Module</a:t>
+            </a:r>
+            <a:endParaRPr lang="zh-TW" altLang="en-US" dirty="0"/>
+          </a:p>
+        </p:txBody>
+      </p:sp>
+      <p:sp>
+        <p:nvSpPr>
+          <p:cNvPr id="38" name="文字方塊 37"/>
+          <p:cNvSpPr txBox="1"/>
+          <p:nvPr/>
+        </p:nvSpPr>
+        <p:spPr>
+          <a:xfrm>
+            <a:off x="3419872" y="1412776"/>
+            <a:ext cx="2304256" cy="646331"/>
+          </a:xfrm>
+          <a:prstGeom prst="rect">
+            <a:avLst/>
+          </a:prstGeom>
+        </p:spPr>
+        <p:style>
+          <a:lnRef idx="1">
+            <a:schemeClr val="accent2"/>
+          </a:lnRef>
+          <a:fillRef idx="3">
+            <a:schemeClr val="accent2"/>
+          </a:fillRef>
+          <a:effectRef idx="2">
+            <a:schemeClr val="accent2"/>
+          </a:effectRef>
+          <a:fontRef idx="minor">
+            <a:schemeClr val="lt1"/>
+          </a:fontRef>
+        </p:style>
+        <p:txBody>
+          <a:bodyPr wrap="square" rtlCol="0">
+            <a:spAutoFit/>
+          </a:bodyPr>
+          <a:lstStyle/>
+          <a:p>
+            <a:pPr algn="ctr"/>
+            <a:r>
+              <a:rPr lang="en-US" altLang="zh-TW" dirty="0" smtClean="0"/>
+              <a:t>Contain API Manager Module</a:t>
+            </a:r>
+            <a:endParaRPr lang="zh-TW" altLang="en-US" dirty="0"/>
+          </a:p>
+        </p:txBody>
+      </p:sp>
+      <p:grpSp>
+        <p:nvGrpSpPr>
+          <p:cNvPr id="48" name="群組 47"/>
+          <p:cNvGrpSpPr/>
+          <p:nvPr/>
+        </p:nvGrpSpPr>
+        <p:grpSpPr>
+          <a:xfrm>
+            <a:off x="7380312" y="836712"/>
+            <a:ext cx="1512168" cy="5328592"/>
+            <a:chOff x="7380312" y="836712"/>
+            <a:chExt cx="1512168" cy="5328592"/>
+          </a:xfrm>
+        </p:grpSpPr>
         <p:sp>
           <p:nvSpPr>
-            <p:cNvPr id="16" name="文字方塊 15"/>
+            <p:cNvPr id="27" name="圓角矩形 26"/>
+            <p:cNvSpPr/>
+            <p:nvPr/>
+          </p:nvSpPr>
+          <p:spPr>
+            <a:xfrm>
+              <a:off x="7380312" y="836712"/>
+              <a:ext cx="1512168" cy="5328592"/>
+            </a:xfrm>
+            <a:prstGeom prst="roundRect">
+              <a:avLst/>
+            </a:prstGeom>
+          </p:spPr>
+          <p:style>
+            <a:lnRef idx="1">
+              <a:schemeClr val="accent5"/>
+            </a:lnRef>
+            <a:fillRef idx="2">
+              <a:schemeClr val="accent5"/>
+            </a:fillRef>
+            <a:effectRef idx="1">
+              <a:schemeClr val="accent5"/>
+            </a:effectRef>
+            <a:fontRef idx="minor">
+              <a:schemeClr val="dk1"/>
+            </a:fontRef>
+          </p:style>
+          <p:txBody>
+            <a:bodyPr rtlCol="0" anchor="ctr"/>
+            <a:lstStyle/>
+            <a:p>
+              <a:pPr algn="ctr"/>
+              <a:endParaRPr lang="zh-TW" altLang="en-US" dirty="0"/>
+            </a:p>
+          </p:txBody>
+        </p:sp>
+        <p:pic>
+          <p:nvPicPr>
+            <p:cNvPr id="39" name="圖片 38" descr="spotify.png"/>
+            <p:cNvPicPr>
+              <a:picLocks noChangeAspect="1"/>
+            </p:cNvPicPr>
+            <p:nvPr/>
+          </p:nvPicPr>
+          <p:blipFill>
+            <a:blip r:embed="rId5" cstate="print"/>
+            <a:stretch>
+              <a:fillRect/>
+            </a:stretch>
+          </p:blipFill>
+          <p:spPr>
+            <a:xfrm>
+              <a:off x="7524328" y="980728"/>
+              <a:ext cx="1152128" cy="1152128"/>
+            </a:xfrm>
+            <a:prstGeom prst="rect">
+              <a:avLst/>
+            </a:prstGeom>
+          </p:spPr>
+        </p:pic>
+        <p:sp>
+          <p:nvSpPr>
+            <p:cNvPr id="40" name="文字方塊 39"/>
             <p:cNvSpPr txBox="1"/>
             <p:nvPr/>
           </p:nvSpPr>
           <p:spPr>
             <a:xfrm>
-              <a:off x="3059832" y="4293096"/>
-              <a:ext cx="2736304" cy="369332"/>
+              <a:off x="7596336" y="1988840"/>
+              <a:ext cx="1008112" cy="369332"/>
+            </a:xfrm>
+            <a:prstGeom prst="rect">
+              <a:avLst/>
+            </a:prstGeom>
+            <a:noFill/>
+          </p:spPr>
+          <p:txBody>
+            <a:bodyPr wrap="square" rtlCol="0">
+              <a:spAutoFit/>
+            </a:bodyPr>
+            <a:lstStyle/>
+            <a:p>
+              <a:pPr algn="ctr"/>
+              <a:r>
+                <a:rPr lang="en-US" altLang="zh-TW" dirty="0" err="1" smtClean="0"/>
+                <a:t>Spotify</a:t>
+              </a:r>
+              <a:endParaRPr lang="zh-TW" altLang="en-US" dirty="0"/>
+            </a:p>
+          </p:txBody>
+        </p:sp>
+        <p:pic>
+          <p:nvPicPr>
+            <p:cNvPr id="41" name="圖片 40" descr="home-openweathermap.png"/>
+            <p:cNvPicPr>
+              <a:picLocks noChangeAspect="1"/>
+            </p:cNvPicPr>
+            <p:nvPr/>
+          </p:nvPicPr>
+          <p:blipFill>
+            <a:blip r:embed="rId6" cstate="print"/>
+            <a:stretch>
+              <a:fillRect/>
+            </a:stretch>
+          </p:blipFill>
+          <p:spPr>
+            <a:xfrm>
+              <a:off x="7596336" y="2564904"/>
+              <a:ext cx="1080120" cy="1080120"/>
+            </a:xfrm>
+            <a:prstGeom prst="rect">
+              <a:avLst/>
+            </a:prstGeom>
+          </p:spPr>
+        </p:pic>
+        <p:sp>
+          <p:nvSpPr>
+            <p:cNvPr id="42" name="文字方塊 41"/>
+            <p:cNvSpPr txBox="1"/>
+            <p:nvPr/>
+          </p:nvSpPr>
+          <p:spPr>
+            <a:xfrm>
+              <a:off x="7452320" y="3573016"/>
+              <a:ext cx="1440160" cy="646331"/>
+            </a:xfrm>
+            <a:prstGeom prst="rect">
+              <a:avLst/>
+            </a:prstGeom>
+            <a:noFill/>
+          </p:spPr>
+          <p:txBody>
+            <a:bodyPr wrap="square" rtlCol="0">
+              <a:spAutoFit/>
+            </a:bodyPr>
+            <a:lstStyle/>
+            <a:p>
+              <a:r>
+                <a:rPr lang="en-US" altLang="zh-TW" dirty="0" smtClean="0"/>
+                <a:t>Open weather map</a:t>
+              </a:r>
+              <a:endParaRPr lang="zh-TW" altLang="en-US" dirty="0"/>
+            </a:p>
+          </p:txBody>
+        </p:sp>
+        <p:pic>
+          <p:nvPicPr>
+            <p:cNvPr id="44" name="圖片 43" descr="96.png"/>
+            <p:cNvPicPr>
+              <a:picLocks noChangeAspect="1"/>
+            </p:cNvPicPr>
+            <p:nvPr/>
+          </p:nvPicPr>
+          <p:blipFill>
+            <a:blip r:embed="rId7" cstate="print"/>
+            <a:stretch>
+              <a:fillRect/>
+            </a:stretch>
+          </p:blipFill>
+          <p:spPr>
+            <a:xfrm>
+              <a:off x="7668344" y="4437112"/>
+              <a:ext cx="914400" cy="381000"/>
+            </a:xfrm>
+            <a:prstGeom prst="rect">
+              <a:avLst/>
+            </a:prstGeom>
+          </p:spPr>
+        </p:pic>
+        <p:sp>
+          <p:nvSpPr>
+            <p:cNvPr id="45" name="文字方塊 44"/>
+            <p:cNvSpPr txBox="1"/>
+            <p:nvPr/>
+          </p:nvSpPr>
+          <p:spPr>
+            <a:xfrm>
+              <a:off x="7452320" y="4869160"/>
+              <a:ext cx="1440160" cy="369332"/>
+            </a:xfrm>
+            <a:prstGeom prst="rect">
+              <a:avLst/>
+            </a:prstGeom>
+            <a:noFill/>
+          </p:spPr>
+          <p:txBody>
+            <a:bodyPr wrap="square" rtlCol="0">
+              <a:spAutoFit/>
+            </a:bodyPr>
+            <a:lstStyle/>
+            <a:p>
+              <a:r>
+                <a:rPr lang="en-US" altLang="zh-TW" dirty="0" smtClean="0"/>
+                <a:t>III MORE API</a:t>
+              </a:r>
+              <a:endParaRPr lang="zh-TW" altLang="en-US" dirty="0"/>
+            </a:p>
+          </p:txBody>
+        </p:sp>
+        <p:sp>
+          <p:nvSpPr>
+            <p:cNvPr id="46" name="文字方塊 45"/>
+            <p:cNvSpPr txBox="1"/>
+            <p:nvPr/>
+          </p:nvSpPr>
+          <p:spPr>
+            <a:xfrm>
+              <a:off x="7812360" y="5229200"/>
+              <a:ext cx="720080" cy="830997"/>
+            </a:xfrm>
+            <a:prstGeom prst="rect">
+              <a:avLst/>
+            </a:prstGeom>
+            <a:noFill/>
+          </p:spPr>
+          <p:txBody>
+            <a:bodyPr wrap="square" rtlCol="0">
+              <a:spAutoFit/>
+            </a:bodyPr>
+            <a:lstStyle/>
+            <a:p>
+              <a:pPr algn="ctr">
+                <a:buFont typeface="Wingdings" pitchFamily="2" charset="2"/>
+                <a:buChar char="l"/>
+              </a:pPr>
+              <a:r>
+                <a:rPr lang="en-US" altLang="zh-TW" sz="1600" b="1" dirty="0" smtClean="0"/>
+                <a:t> </a:t>
+              </a:r>
+            </a:p>
+            <a:p>
+              <a:pPr algn="ctr">
+                <a:buFont typeface="Wingdings" pitchFamily="2" charset="2"/>
+                <a:buChar char="l"/>
+              </a:pPr>
+              <a:r>
+                <a:rPr lang="en-US" altLang="zh-TW" sz="1600" b="1" dirty="0"/>
+                <a:t> </a:t>
+              </a:r>
+              <a:endParaRPr lang="en-US" altLang="zh-TW" sz="1600" b="1" dirty="0" smtClean="0"/>
+            </a:p>
+            <a:p>
+              <a:pPr algn="ctr">
+                <a:buFont typeface="Wingdings" pitchFamily="2" charset="2"/>
+                <a:buChar char="l"/>
+              </a:pPr>
+              <a:r>
+                <a:rPr lang="en-US" altLang="zh-TW" sz="1600" b="1" dirty="0"/>
+                <a:t> </a:t>
+              </a:r>
+              <a:endParaRPr lang="zh-TW" altLang="en-US" sz="1600" b="1" dirty="0"/>
+            </a:p>
+          </p:txBody>
+        </p:sp>
+      </p:grpSp>
+      <p:sp>
+        <p:nvSpPr>
+          <p:cNvPr id="49" name="文字方塊 48"/>
+          <p:cNvSpPr txBox="1"/>
+          <p:nvPr/>
+        </p:nvSpPr>
+        <p:spPr>
+          <a:xfrm>
+            <a:off x="3275856" y="4941168"/>
+            <a:ext cx="2304256" cy="369332"/>
+          </a:xfrm>
+          <a:prstGeom prst="rect">
+            <a:avLst/>
+          </a:prstGeom>
+          <a:noFill/>
+        </p:spPr>
+        <p:txBody>
+          <a:bodyPr wrap="square" rtlCol="0">
+            <a:spAutoFit/>
+          </a:bodyPr>
+          <a:lstStyle/>
+          <a:p>
+            <a:r>
+              <a:rPr lang="en-US" altLang="zh-TW" dirty="0" err="1" smtClean="0"/>
+              <a:t>Sematic</a:t>
+            </a:r>
+            <a:r>
+              <a:rPr lang="en-US" altLang="zh-TW" dirty="0" smtClean="0"/>
+              <a:t> Cloud Server</a:t>
+            </a:r>
+            <a:endParaRPr lang="zh-TW" altLang="en-US" dirty="0"/>
+          </a:p>
+        </p:txBody>
+      </p:sp>
+    </p:spTree>
+  </p:cSld>
+  <p:clrMapOvr>
+    <a:masterClrMapping/>
+  </p:clrMapOvr>
+</p:sld>
+</file>
+
+<file path=ppt/slides/slide2.xml><?xml version="1.0" encoding="utf-8"?>
+<p:sld xmlns:a="http://schemas.openxmlformats.org/drawingml/2006/main" xmlns:r="http://schemas.openxmlformats.org/officeDocument/2006/relationships" xmlns:p="http://schemas.openxmlformats.org/presentationml/2006/main">
+  <p:cSld>
+    <p:spTree>
+      <p:nvGrpSpPr>
+        <p:cNvPr id="1" name=""/>
+        <p:cNvGrpSpPr/>
+        <p:nvPr/>
+      </p:nvGrpSpPr>
+      <p:grpSpPr>
+        <a:xfrm>
+          <a:off x="0" y="0"/>
+          <a:ext cx="0" cy="0"/>
+          <a:chOff x="0" y="0"/>
+          <a:chExt cx="0" cy="0"/>
+        </a:xfrm>
+      </p:grpSpPr>
+      <p:grpSp>
+        <p:nvGrpSpPr>
+          <p:cNvPr id="14" name="群組 13"/>
+          <p:cNvGrpSpPr/>
+          <p:nvPr/>
+        </p:nvGrpSpPr>
+        <p:grpSpPr>
+          <a:xfrm>
+            <a:off x="899592" y="920914"/>
+            <a:ext cx="7632848" cy="5028366"/>
+            <a:chOff x="971600" y="980728"/>
+            <a:chExt cx="7632848" cy="5028366"/>
+          </a:xfrm>
+        </p:grpSpPr>
+        <p:sp>
+          <p:nvSpPr>
+            <p:cNvPr id="5" name="文字方塊 4"/>
+            <p:cNvSpPr txBox="1"/>
+            <p:nvPr/>
+          </p:nvSpPr>
+          <p:spPr>
+            <a:xfrm>
+              <a:off x="971600" y="4593322"/>
+              <a:ext cx="7632848" cy="707886"/>
+            </a:xfrm>
+            <a:prstGeom prst="rect">
+              <a:avLst/>
+            </a:prstGeom>
+          </p:spPr>
+          <p:style>
+            <a:lnRef idx="1">
+              <a:schemeClr val="accent6"/>
+            </a:lnRef>
+            <a:fillRef idx="3">
+              <a:schemeClr val="accent6"/>
+            </a:fillRef>
+            <a:effectRef idx="2">
+              <a:schemeClr val="accent6"/>
+            </a:effectRef>
+            <a:fontRef idx="minor">
+              <a:schemeClr val="lt1"/>
+            </a:fontRef>
+          </p:style>
+          <p:txBody>
+            <a:bodyPr wrap="square" rtlCol="0">
+              <a:spAutoFit/>
+            </a:bodyPr>
+            <a:lstStyle/>
+            <a:p>
+              <a:pPr algn="ctr"/>
+              <a:r>
+                <a:rPr lang="en-US" altLang="zh-TW" sz="4000" dirty="0" smtClean="0">
+                  <a:latin typeface="Times New Roman" pitchFamily="18" charset="0"/>
+                  <a:cs typeface="Times New Roman" pitchFamily="18" charset="0"/>
+                </a:rPr>
+                <a:t>C</a:t>
+              </a:r>
+              <a:r>
+                <a:rPr lang="en-US" altLang="zh-TW" sz="4000" dirty="0" smtClean="0">
+                  <a:latin typeface="Times New Roman" pitchFamily="18" charset="0"/>
+                  <a:cs typeface="Times New Roman" pitchFamily="18" charset="0"/>
+                </a:rPr>
+                <a:t>MP </a:t>
+              </a:r>
+              <a:r>
+                <a:rPr lang="en-US" altLang="zh-TW" sz="4000" dirty="0" smtClean="0">
+                  <a:latin typeface="Times New Roman" pitchFamily="18" charset="0"/>
+                  <a:cs typeface="Times New Roman" pitchFamily="18" charset="0"/>
+                </a:rPr>
+                <a:t>Module</a:t>
+              </a:r>
+              <a:endParaRPr lang="zh-TW" altLang="en-US" sz="4000" dirty="0">
+                <a:latin typeface="Times New Roman" pitchFamily="18" charset="0"/>
+                <a:cs typeface="Times New Roman" pitchFamily="18" charset="0"/>
+              </a:endParaRPr>
+            </a:p>
+          </p:txBody>
+        </p:sp>
+        <p:sp>
+          <p:nvSpPr>
+            <p:cNvPr id="6" name="文字方塊 5"/>
+            <p:cNvSpPr txBox="1"/>
+            <p:nvPr/>
+          </p:nvSpPr>
+          <p:spPr>
+            <a:xfrm>
+              <a:off x="971600" y="5301208"/>
+              <a:ext cx="7632848" cy="707886"/>
             </a:xfrm>
             <a:prstGeom prst="rect">
               <a:avLst/>
@@ -3330,333 +4324,29 @@
             <a:p>
               <a:pPr algn="ctr"/>
               <a:r>
-                <a:rPr lang="en-US" altLang="zh-TW" dirty="0" smtClean="0"/>
+                <a:rPr lang="en-US" altLang="zh-TW" sz="4000" dirty="0" smtClean="0">
+                  <a:latin typeface="Times New Roman" pitchFamily="18" charset="0"/>
+                  <a:cs typeface="Times New Roman" pitchFamily="18" charset="0"/>
+                </a:rPr>
                 <a:t>Linux</a:t>
               </a:r>
-              <a:endParaRPr lang="zh-TW" altLang="en-US" dirty="0"/>
+              <a:endParaRPr lang="zh-TW" altLang="en-US" sz="4000" dirty="0">
+                <a:latin typeface="Times New Roman" pitchFamily="18" charset="0"/>
+                <a:cs typeface="Times New Roman" pitchFamily="18" charset="0"/>
+              </a:endParaRPr>
             </a:p>
           </p:txBody>
         </p:sp>
-        <p:pic>
-          <p:nvPicPr>
-            <p:cNvPr id="17" name="圖片 16" descr="Server-cloud-icon.png"/>
-            <p:cNvPicPr>
-              <a:picLocks noChangeAspect="1"/>
-            </p:cNvPicPr>
-            <p:nvPr/>
-          </p:nvPicPr>
-          <p:blipFill>
-            <a:blip r:embed="rId4" cstate="print"/>
-            <a:stretch>
-              <a:fillRect/>
-            </a:stretch>
-          </p:blipFill>
-          <p:spPr>
-            <a:xfrm>
-              <a:off x="1979712" y="836712"/>
-              <a:ext cx="1219200" cy="1219200"/>
-            </a:xfrm>
-            <a:prstGeom prst="rect">
-              <a:avLst/>
-            </a:prstGeom>
-          </p:spPr>
-        </p:pic>
-        <p:grpSp>
-          <p:nvGrpSpPr>
-            <p:cNvPr id="24" name="群組 23"/>
-            <p:cNvGrpSpPr/>
-            <p:nvPr/>
-          </p:nvGrpSpPr>
-          <p:grpSpPr>
-            <a:xfrm>
-              <a:off x="395536" y="5013176"/>
-              <a:ext cx="2160240" cy="1584176"/>
-              <a:chOff x="1691680" y="5085184"/>
-              <a:chExt cx="2160240" cy="1584176"/>
-            </a:xfrm>
-          </p:grpSpPr>
-          <p:sp>
-            <p:nvSpPr>
-              <p:cNvPr id="18" name="圓角矩形 17"/>
-              <p:cNvSpPr/>
-              <p:nvPr/>
-            </p:nvSpPr>
-            <p:spPr>
-              <a:xfrm>
-                <a:off x="1691680" y="5085184"/>
-                <a:ext cx="2160240" cy="1584176"/>
-              </a:xfrm>
-              <a:prstGeom prst="roundRect">
-                <a:avLst/>
-              </a:prstGeom>
-            </p:spPr>
-            <p:style>
-              <a:lnRef idx="1">
-                <a:schemeClr val="accent3"/>
-              </a:lnRef>
-              <a:fillRef idx="2">
-                <a:schemeClr val="accent3"/>
-              </a:fillRef>
-              <a:effectRef idx="1">
-                <a:schemeClr val="accent3"/>
-              </a:effectRef>
-              <a:fontRef idx="minor">
-                <a:schemeClr val="dk1"/>
-              </a:fontRef>
-            </p:style>
-            <p:txBody>
-              <a:bodyPr rtlCol="0" anchor="ctr"/>
-              <a:lstStyle/>
-              <a:p>
-                <a:pPr algn="ctr"/>
-                <a:endParaRPr lang="zh-TW" altLang="en-US"/>
-              </a:p>
-            </p:txBody>
-          </p:sp>
-          <p:sp>
-            <p:nvSpPr>
-              <p:cNvPr id="19" name="文字方塊 18"/>
-              <p:cNvSpPr txBox="1"/>
-              <p:nvPr/>
-            </p:nvSpPr>
-            <p:spPr>
-              <a:xfrm>
-                <a:off x="1763688" y="5733256"/>
-                <a:ext cx="2016224" cy="369332"/>
-              </a:xfrm>
-              <a:prstGeom prst="rect">
-                <a:avLst/>
-              </a:prstGeom>
-            </p:spPr>
-            <p:style>
-              <a:lnRef idx="1">
-                <a:schemeClr val="accent2"/>
-              </a:lnRef>
-              <a:fillRef idx="3">
-                <a:schemeClr val="accent2"/>
-              </a:fillRef>
-              <a:effectRef idx="2">
-                <a:schemeClr val="accent2"/>
-              </a:effectRef>
-              <a:fontRef idx="minor">
-                <a:schemeClr val="lt1"/>
-              </a:fontRef>
-            </p:style>
-            <p:txBody>
-              <a:bodyPr wrap="square" rtlCol="0">
-                <a:spAutoFit/>
-              </a:bodyPr>
-              <a:lstStyle/>
-              <a:p>
-                <a:pPr algn="ctr"/>
-                <a:r>
-                  <a:rPr lang="en-US" altLang="zh-TW" dirty="0"/>
-                  <a:t>speech recognition</a:t>
-                </a:r>
-                <a:endParaRPr lang="zh-TW" altLang="en-US" dirty="0"/>
-              </a:p>
-            </p:txBody>
-          </p:sp>
-          <p:sp>
-            <p:nvSpPr>
-              <p:cNvPr id="21" name="文字方塊 20"/>
-              <p:cNvSpPr txBox="1"/>
-              <p:nvPr/>
-            </p:nvSpPr>
-            <p:spPr>
-              <a:xfrm>
-                <a:off x="1763688" y="6237312"/>
-                <a:ext cx="2016224" cy="369332"/>
-              </a:xfrm>
-              <a:prstGeom prst="rect">
-                <a:avLst/>
-              </a:prstGeom>
-            </p:spPr>
-            <p:style>
-              <a:lnRef idx="1">
-                <a:schemeClr val="accent3"/>
-              </a:lnRef>
-              <a:fillRef idx="3">
-                <a:schemeClr val="accent3"/>
-              </a:fillRef>
-              <a:effectRef idx="2">
-                <a:schemeClr val="accent3"/>
-              </a:effectRef>
-              <a:fontRef idx="minor">
-                <a:schemeClr val="lt1"/>
-              </a:fontRef>
-            </p:style>
-            <p:txBody>
-              <a:bodyPr wrap="square" rtlCol="0">
-                <a:spAutoFit/>
-              </a:bodyPr>
-              <a:lstStyle/>
-              <a:p>
-                <a:pPr algn="ctr"/>
-                <a:r>
-                  <a:rPr lang="en-US" altLang="zh-TW" dirty="0"/>
-                  <a:t>text-to-speech</a:t>
-                </a:r>
-                <a:endParaRPr lang="zh-TW" altLang="en-US" dirty="0"/>
-              </a:p>
-            </p:txBody>
-          </p:sp>
-          <p:sp>
-            <p:nvSpPr>
-              <p:cNvPr id="22" name="文字方塊 21"/>
-              <p:cNvSpPr txBox="1"/>
-              <p:nvPr/>
-            </p:nvSpPr>
-            <p:spPr>
-              <a:xfrm>
-                <a:off x="1763688" y="5229200"/>
-                <a:ext cx="2016224" cy="369332"/>
-              </a:xfrm>
-              <a:prstGeom prst="rect">
-                <a:avLst/>
-              </a:prstGeom>
-            </p:spPr>
-            <p:style>
-              <a:lnRef idx="1">
-                <a:schemeClr val="accent6"/>
-              </a:lnRef>
-              <a:fillRef idx="3">
-                <a:schemeClr val="accent6"/>
-              </a:fillRef>
-              <a:effectRef idx="2">
-                <a:schemeClr val="accent6"/>
-              </a:effectRef>
-              <a:fontRef idx="minor">
-                <a:schemeClr val="lt1"/>
-              </a:fontRef>
-            </p:style>
-            <p:txBody>
-              <a:bodyPr wrap="square" rtlCol="0">
-                <a:spAutoFit/>
-              </a:bodyPr>
-              <a:lstStyle/>
-              <a:p>
-                <a:pPr algn="ctr"/>
-                <a:r>
-                  <a:rPr lang="en-US" altLang="zh-TW" dirty="0" smtClean="0"/>
-                  <a:t>SMP Module</a:t>
-                </a:r>
-                <a:endParaRPr lang="zh-TW" altLang="en-US" dirty="0"/>
-              </a:p>
-            </p:txBody>
-          </p:sp>
-        </p:grpSp>
         <p:sp>
           <p:nvSpPr>
-            <p:cNvPr id="28" name="文字方塊 27"/>
+            <p:cNvPr id="8" name="文字方塊 7"/>
             <p:cNvSpPr txBox="1"/>
             <p:nvPr/>
           </p:nvSpPr>
           <p:spPr>
             <a:xfrm>
-              <a:off x="7127776" y="6165304"/>
-              <a:ext cx="2016224" cy="369332"/>
-            </a:xfrm>
-            <a:prstGeom prst="rect">
-              <a:avLst/>
-            </a:prstGeom>
-            <a:noFill/>
-          </p:spPr>
-          <p:txBody>
-            <a:bodyPr wrap="square" rtlCol="0">
-              <a:spAutoFit/>
-            </a:bodyPr>
-            <a:lstStyle/>
-            <a:p>
-              <a:pPr algn="ctr"/>
-              <a:r>
-                <a:rPr lang="en-US" altLang="zh-TW" dirty="0" smtClean="0"/>
-                <a:t>Content Provider</a:t>
-              </a:r>
-              <a:endParaRPr lang="zh-TW" altLang="en-US" dirty="0"/>
-            </a:p>
-          </p:txBody>
-        </p:sp>
-        <p:cxnSp>
-          <p:nvCxnSpPr>
-            <p:cNvPr id="32" name="肘形接點 31"/>
-            <p:cNvCxnSpPr>
-              <a:stCxn id="7" idx="3"/>
-              <a:endCxn id="27" idx="1"/>
-            </p:cNvCxnSpPr>
-            <p:nvPr/>
-          </p:nvCxnSpPr>
-          <p:spPr>
-            <a:xfrm>
-              <a:off x="5940152" y="2852936"/>
-              <a:ext cx="1440160" cy="648072"/>
-            </a:xfrm>
-            <a:prstGeom prst="bentConnector3">
-              <a:avLst>
-                <a:gd name="adj1" fmla="val 50000"/>
-              </a:avLst>
-            </a:prstGeom>
-            <a:ln>
-              <a:headEnd type="arrow"/>
-              <a:tailEnd type="arrow"/>
-            </a:ln>
-          </p:spPr>
-          <p:style>
-            <a:lnRef idx="3">
-              <a:schemeClr val="accent3"/>
-            </a:lnRef>
-            <a:fillRef idx="0">
-              <a:schemeClr val="accent3"/>
-            </a:fillRef>
-            <a:effectRef idx="2">
-              <a:schemeClr val="accent3"/>
-            </a:effectRef>
-            <a:fontRef idx="minor">
-              <a:schemeClr val="tx1"/>
-            </a:fontRef>
-          </p:style>
-        </p:cxnSp>
-        <p:sp>
-          <p:nvSpPr>
-            <p:cNvPr id="33" name="文字方塊 32"/>
-            <p:cNvSpPr txBox="1"/>
-            <p:nvPr/>
-          </p:nvSpPr>
-          <p:spPr>
-            <a:xfrm>
-              <a:off x="6156176" y="2420888"/>
-              <a:ext cx="1008112" cy="369332"/>
-            </a:xfrm>
-            <a:prstGeom prst="rect">
-              <a:avLst/>
-            </a:prstGeom>
-            <a:noFill/>
-          </p:spPr>
-          <p:txBody>
-            <a:bodyPr wrap="square" rtlCol="0">
-              <a:spAutoFit/>
-            </a:bodyPr>
-            <a:lstStyle/>
-            <a:p>
-              <a:pPr algn="ctr"/>
-              <a:r>
-                <a:rPr lang="en-US" altLang="zh-TW" dirty="0" smtClean="0"/>
-                <a:t>REST API</a:t>
-              </a:r>
-              <a:endParaRPr lang="zh-TW" altLang="en-US" dirty="0"/>
-            </a:p>
-          </p:txBody>
-        </p:sp>
-        <p:sp>
-          <p:nvSpPr>
-            <p:cNvPr id="34" name="文字方塊 33"/>
-            <p:cNvSpPr txBox="1"/>
-            <p:nvPr/>
-          </p:nvSpPr>
-          <p:spPr>
-            <a:xfrm>
-              <a:off x="3059832" y="3429000"/>
-              <a:ext cx="2736304" cy="369332"/>
+              <a:off x="971600" y="3861048"/>
+              <a:ext cx="7632848" cy="707886"/>
             </a:xfrm>
             <a:prstGeom prst="rect">
               <a:avLst/>
@@ -3684,23 +4374,29 @@
             <a:p>
               <a:pPr algn="ctr"/>
               <a:r>
-                <a:rPr lang="en-US" altLang="zh-TW" dirty="0" smtClean="0"/>
+                <a:rPr lang="en-US" altLang="zh-TW" sz="4000" dirty="0" smtClean="0">
+                  <a:latin typeface="Times New Roman" pitchFamily="18" charset="0"/>
+                  <a:cs typeface="Times New Roman" pitchFamily="18" charset="0"/>
+                </a:rPr>
                 <a:t>Semantic Analysis Module</a:t>
               </a:r>
-              <a:endParaRPr lang="zh-TW" altLang="en-US" dirty="0"/>
+              <a:endParaRPr lang="zh-TW" altLang="en-US" sz="4000" dirty="0">
+                <a:latin typeface="Times New Roman" pitchFamily="18" charset="0"/>
+                <a:cs typeface="Times New Roman" pitchFamily="18" charset="0"/>
+              </a:endParaRPr>
             </a:p>
           </p:txBody>
         </p:sp>
         <p:sp>
           <p:nvSpPr>
-            <p:cNvPr id="35" name="文字方塊 34"/>
+            <p:cNvPr id="9" name="文字方塊 8"/>
             <p:cNvSpPr txBox="1"/>
             <p:nvPr/>
           </p:nvSpPr>
           <p:spPr>
             <a:xfrm>
-              <a:off x="3059832" y="2996952"/>
-              <a:ext cx="2736304" cy="369332"/>
+              <a:off x="971600" y="3140968"/>
+              <a:ext cx="7632848" cy="707886"/>
             </a:xfrm>
             <a:prstGeom prst="rect">
               <a:avLst/>
@@ -3728,23 +4424,29 @@
             <a:p>
               <a:pPr algn="ctr"/>
               <a:r>
-                <a:rPr lang="en-US" altLang="zh-TW" dirty="0" smtClean="0"/>
+                <a:rPr lang="en-US" altLang="zh-TW" sz="4000" dirty="0" smtClean="0">
+                  <a:latin typeface="Times New Roman" pitchFamily="18" charset="0"/>
+                  <a:cs typeface="Times New Roman" pitchFamily="18" charset="0"/>
+                </a:rPr>
                 <a:t>Dictionary Search Module</a:t>
               </a:r>
-              <a:endParaRPr lang="zh-TW" altLang="en-US" dirty="0"/>
+              <a:endParaRPr lang="zh-TW" altLang="en-US" sz="4000" dirty="0">
+                <a:latin typeface="Times New Roman" pitchFamily="18" charset="0"/>
+                <a:cs typeface="Times New Roman" pitchFamily="18" charset="0"/>
+              </a:endParaRPr>
             </a:p>
           </p:txBody>
         </p:sp>
         <p:sp>
           <p:nvSpPr>
-            <p:cNvPr id="36" name="文字方塊 35"/>
+            <p:cNvPr id="10" name="文字方塊 9"/>
             <p:cNvSpPr txBox="1"/>
             <p:nvPr/>
           </p:nvSpPr>
           <p:spPr>
             <a:xfrm>
-              <a:off x="3059832" y="2564904"/>
-              <a:ext cx="2736304" cy="369332"/>
+              <a:off x="971600" y="2433082"/>
+              <a:ext cx="7632848" cy="707886"/>
             </a:xfrm>
             <a:prstGeom prst="rect">
               <a:avLst/>
@@ -3772,23 +4474,29 @@
             <a:p>
               <a:pPr algn="ctr"/>
               <a:r>
-                <a:rPr lang="en-US" altLang="zh-TW" dirty="0" smtClean="0"/>
+                <a:rPr lang="en-US" altLang="zh-TW" sz="4000" dirty="0" smtClean="0">
+                  <a:latin typeface="Times New Roman" pitchFamily="18" charset="0"/>
+                  <a:cs typeface="Times New Roman" pitchFamily="18" charset="0"/>
+                </a:rPr>
                 <a:t>Ranking Module</a:t>
               </a:r>
-              <a:endParaRPr lang="zh-TW" altLang="en-US" dirty="0"/>
+              <a:endParaRPr lang="zh-TW" altLang="en-US" sz="4000" dirty="0">
+                <a:latin typeface="Times New Roman" pitchFamily="18" charset="0"/>
+                <a:cs typeface="Times New Roman" pitchFamily="18" charset="0"/>
+              </a:endParaRPr>
             </a:p>
           </p:txBody>
         </p:sp>
         <p:sp>
           <p:nvSpPr>
-            <p:cNvPr id="37" name="文字方塊 36"/>
+            <p:cNvPr id="11" name="文字方塊 10"/>
             <p:cNvSpPr txBox="1"/>
             <p:nvPr/>
           </p:nvSpPr>
           <p:spPr>
             <a:xfrm>
-              <a:off x="3059832" y="2132856"/>
-              <a:ext cx="2736304" cy="369332"/>
+              <a:off x="971600" y="1700808"/>
+              <a:ext cx="7632848" cy="707886"/>
             </a:xfrm>
             <a:prstGeom prst="rect">
               <a:avLst/>
@@ -3816,23 +4524,29 @@
             <a:p>
               <a:pPr algn="ctr"/>
               <a:r>
-                <a:rPr lang="en-US" altLang="zh-TW" dirty="0" smtClean="0"/>
+                <a:rPr lang="en-US" altLang="zh-TW" sz="4000" dirty="0" smtClean="0">
+                  <a:latin typeface="Times New Roman" pitchFamily="18" charset="0"/>
+                  <a:cs typeface="Times New Roman" pitchFamily="18" charset="0"/>
+                </a:rPr>
                 <a:t>Contain Manager Module</a:t>
               </a:r>
-              <a:endParaRPr lang="zh-TW" altLang="en-US" dirty="0"/>
+              <a:endParaRPr lang="zh-TW" altLang="en-US" sz="4000" dirty="0">
+                <a:latin typeface="Times New Roman" pitchFamily="18" charset="0"/>
+                <a:cs typeface="Times New Roman" pitchFamily="18" charset="0"/>
+              </a:endParaRPr>
             </a:p>
           </p:txBody>
         </p:sp>
         <p:sp>
           <p:nvSpPr>
-            <p:cNvPr id="38" name="文字方塊 37"/>
+            <p:cNvPr id="12" name="文字方塊 11"/>
             <p:cNvSpPr txBox="1"/>
             <p:nvPr/>
           </p:nvSpPr>
           <p:spPr>
             <a:xfrm>
-              <a:off x="3419872" y="1412776"/>
-              <a:ext cx="2304256" cy="646331"/>
+              <a:off x="971600" y="980728"/>
+              <a:ext cx="7632848" cy="707886"/>
             </a:xfrm>
             <a:prstGeom prst="rect">
               <a:avLst/>
@@ -3860,319 +4574,509 @@
             <a:p>
               <a:pPr algn="ctr"/>
               <a:r>
-                <a:rPr lang="en-US" altLang="zh-TW" dirty="0" smtClean="0"/>
+                <a:rPr lang="en-US" altLang="zh-TW" sz="4000" dirty="0" smtClean="0">
+                  <a:latin typeface="Times New Roman" pitchFamily="18" charset="0"/>
+                  <a:cs typeface="Times New Roman" pitchFamily="18" charset="0"/>
+                </a:rPr>
                 <a:t>Contain API Manager Module</a:t>
               </a:r>
-              <a:endParaRPr lang="zh-TW" altLang="en-US" dirty="0"/>
-            </a:p>
-          </p:txBody>
-        </p:sp>
-        <p:grpSp>
-          <p:nvGrpSpPr>
-            <p:cNvPr id="48" name="群組 47"/>
-            <p:cNvGrpSpPr/>
-            <p:nvPr/>
-          </p:nvGrpSpPr>
-          <p:grpSpPr>
-            <a:xfrm>
-              <a:off x="7380312" y="836712"/>
-              <a:ext cx="1512168" cy="5328592"/>
-              <a:chOff x="7380312" y="836712"/>
-              <a:chExt cx="1512168" cy="5328592"/>
-            </a:xfrm>
-          </p:grpSpPr>
-          <p:sp>
-            <p:nvSpPr>
-              <p:cNvPr id="27" name="圓角矩形 26"/>
-              <p:cNvSpPr/>
-              <p:nvPr/>
-            </p:nvSpPr>
-            <p:spPr>
-              <a:xfrm>
-                <a:off x="7380312" y="836712"/>
-                <a:ext cx="1512168" cy="5328592"/>
-              </a:xfrm>
-              <a:prstGeom prst="roundRect">
-                <a:avLst/>
-              </a:prstGeom>
-            </p:spPr>
-            <p:style>
-              <a:lnRef idx="1">
-                <a:schemeClr val="accent5"/>
-              </a:lnRef>
-              <a:fillRef idx="2">
-                <a:schemeClr val="accent5"/>
-              </a:fillRef>
-              <a:effectRef idx="1">
-                <a:schemeClr val="accent5"/>
-              </a:effectRef>
-              <a:fontRef idx="minor">
-                <a:schemeClr val="dk1"/>
-              </a:fontRef>
-            </p:style>
-            <p:txBody>
-              <a:bodyPr rtlCol="0" anchor="ctr"/>
-              <a:lstStyle/>
-              <a:p>
-                <a:pPr algn="ctr"/>
-                <a:endParaRPr lang="zh-TW" altLang="en-US" dirty="0"/>
-              </a:p>
-            </p:txBody>
-          </p:sp>
-          <p:pic>
-            <p:nvPicPr>
-              <p:cNvPr id="39" name="圖片 38" descr="spotify.png"/>
-              <p:cNvPicPr>
-                <a:picLocks noChangeAspect="1"/>
-              </p:cNvPicPr>
-              <p:nvPr/>
-            </p:nvPicPr>
-            <p:blipFill>
-              <a:blip r:embed="rId5" cstate="print"/>
-              <a:stretch>
-                <a:fillRect/>
-              </a:stretch>
-            </p:blipFill>
-            <p:spPr>
-              <a:xfrm>
-                <a:off x="7524328" y="980728"/>
-                <a:ext cx="1152128" cy="1152128"/>
-              </a:xfrm>
-              <a:prstGeom prst="rect">
-                <a:avLst/>
-              </a:prstGeom>
-            </p:spPr>
-          </p:pic>
-          <p:sp>
-            <p:nvSpPr>
-              <p:cNvPr id="40" name="文字方塊 39"/>
-              <p:cNvSpPr txBox="1"/>
-              <p:nvPr/>
-            </p:nvSpPr>
-            <p:spPr>
-              <a:xfrm>
-                <a:off x="7596336" y="1988840"/>
-                <a:ext cx="1008112" cy="369332"/>
-              </a:xfrm>
-              <a:prstGeom prst="rect">
-                <a:avLst/>
-              </a:prstGeom>
-              <a:noFill/>
-            </p:spPr>
-            <p:txBody>
-              <a:bodyPr wrap="square" rtlCol="0">
-                <a:spAutoFit/>
-              </a:bodyPr>
-              <a:lstStyle/>
-              <a:p>
-                <a:pPr algn="ctr"/>
-                <a:r>
-                  <a:rPr lang="en-US" altLang="zh-TW" dirty="0" err="1" smtClean="0"/>
-                  <a:t>Spotify</a:t>
-                </a:r>
-                <a:endParaRPr lang="zh-TW" altLang="en-US" dirty="0"/>
-              </a:p>
-            </p:txBody>
-          </p:sp>
-          <p:pic>
-            <p:nvPicPr>
-              <p:cNvPr id="41" name="圖片 40" descr="home-openweathermap.png"/>
-              <p:cNvPicPr>
-                <a:picLocks noChangeAspect="1"/>
-              </p:cNvPicPr>
-              <p:nvPr/>
-            </p:nvPicPr>
-            <p:blipFill>
-              <a:blip r:embed="rId6" cstate="print"/>
-              <a:stretch>
-                <a:fillRect/>
-              </a:stretch>
-            </p:blipFill>
-            <p:spPr>
-              <a:xfrm>
-                <a:off x="7596336" y="2564904"/>
-                <a:ext cx="1080120" cy="1080120"/>
-              </a:xfrm>
-              <a:prstGeom prst="rect">
-                <a:avLst/>
-              </a:prstGeom>
-            </p:spPr>
-          </p:pic>
-          <p:sp>
-            <p:nvSpPr>
-              <p:cNvPr id="42" name="文字方塊 41"/>
-              <p:cNvSpPr txBox="1"/>
-              <p:nvPr/>
-            </p:nvSpPr>
-            <p:spPr>
-              <a:xfrm>
-                <a:off x="7452320" y="3573016"/>
-                <a:ext cx="1440160" cy="646331"/>
-              </a:xfrm>
-              <a:prstGeom prst="rect">
-                <a:avLst/>
-              </a:prstGeom>
-              <a:noFill/>
-            </p:spPr>
-            <p:txBody>
-              <a:bodyPr wrap="square" rtlCol="0">
-                <a:spAutoFit/>
-              </a:bodyPr>
-              <a:lstStyle/>
-              <a:p>
-                <a:r>
-                  <a:rPr lang="en-US" altLang="zh-TW" dirty="0" smtClean="0"/>
-                  <a:t>Open weather map</a:t>
-                </a:r>
-                <a:endParaRPr lang="zh-TW" altLang="en-US" dirty="0"/>
-              </a:p>
-            </p:txBody>
-          </p:sp>
-          <p:pic>
-            <p:nvPicPr>
-              <p:cNvPr id="44" name="圖片 43" descr="96.png"/>
-              <p:cNvPicPr>
-                <a:picLocks noChangeAspect="1"/>
-              </p:cNvPicPr>
-              <p:nvPr/>
-            </p:nvPicPr>
-            <p:blipFill>
-              <a:blip r:embed="rId7" cstate="print"/>
-              <a:stretch>
-                <a:fillRect/>
-              </a:stretch>
-            </p:blipFill>
-            <p:spPr>
-              <a:xfrm>
-                <a:off x="7668344" y="4437112"/>
-                <a:ext cx="914400" cy="381000"/>
-              </a:xfrm>
-              <a:prstGeom prst="rect">
-                <a:avLst/>
-              </a:prstGeom>
-            </p:spPr>
-          </p:pic>
-          <p:sp>
-            <p:nvSpPr>
-              <p:cNvPr id="45" name="文字方塊 44"/>
-              <p:cNvSpPr txBox="1"/>
-              <p:nvPr/>
-            </p:nvSpPr>
-            <p:spPr>
-              <a:xfrm>
-                <a:off x="7452320" y="4869160"/>
-                <a:ext cx="1440160" cy="369332"/>
-              </a:xfrm>
-              <a:prstGeom prst="rect">
-                <a:avLst/>
-              </a:prstGeom>
-              <a:noFill/>
-            </p:spPr>
-            <p:txBody>
-              <a:bodyPr wrap="square" rtlCol="0">
-                <a:spAutoFit/>
-              </a:bodyPr>
-              <a:lstStyle/>
-              <a:p>
-                <a:r>
-                  <a:rPr lang="en-US" altLang="zh-TW" dirty="0" smtClean="0"/>
-                  <a:t>III MORE API</a:t>
-                </a:r>
-                <a:endParaRPr lang="zh-TW" altLang="en-US" dirty="0"/>
-              </a:p>
-            </p:txBody>
-          </p:sp>
-          <p:sp>
-            <p:nvSpPr>
-              <p:cNvPr id="46" name="文字方塊 45"/>
-              <p:cNvSpPr txBox="1"/>
-              <p:nvPr/>
-            </p:nvSpPr>
-            <p:spPr>
-              <a:xfrm>
-                <a:off x="7812360" y="5229200"/>
-                <a:ext cx="720080" cy="830997"/>
-              </a:xfrm>
-              <a:prstGeom prst="rect">
-                <a:avLst/>
-              </a:prstGeom>
-              <a:noFill/>
-            </p:spPr>
-            <p:txBody>
-              <a:bodyPr wrap="square" rtlCol="0">
-                <a:spAutoFit/>
-              </a:bodyPr>
-              <a:lstStyle/>
-              <a:p>
-                <a:pPr algn="ctr">
-                  <a:buFont typeface="Wingdings" pitchFamily="2" charset="2"/>
-                  <a:buChar char="l"/>
-                </a:pPr>
-                <a:r>
-                  <a:rPr lang="en-US" altLang="zh-TW" sz="1600" b="1" dirty="0" smtClean="0"/>
-                  <a:t> </a:t>
-                </a:r>
-              </a:p>
-              <a:p>
-                <a:pPr algn="ctr">
-                  <a:buFont typeface="Wingdings" pitchFamily="2" charset="2"/>
-                  <a:buChar char="l"/>
-                </a:pPr>
-                <a:r>
-                  <a:rPr lang="en-US" altLang="zh-TW" sz="1600" b="1" dirty="0"/>
-                  <a:t> </a:t>
-                </a:r>
-                <a:endParaRPr lang="en-US" altLang="zh-TW" sz="1600" b="1" dirty="0" smtClean="0"/>
-              </a:p>
-              <a:p>
-                <a:pPr algn="ctr">
-                  <a:buFont typeface="Wingdings" pitchFamily="2" charset="2"/>
-                  <a:buChar char="l"/>
-                </a:pPr>
-                <a:r>
-                  <a:rPr lang="en-US" altLang="zh-TW" sz="1600" b="1" dirty="0"/>
-                  <a:t> </a:t>
-                </a:r>
-                <a:endParaRPr lang="zh-TW" altLang="en-US" sz="1600" b="1" dirty="0"/>
-              </a:p>
-            </p:txBody>
-          </p:sp>
-        </p:grpSp>
-        <p:sp>
-          <p:nvSpPr>
-            <p:cNvPr id="49" name="文字方塊 48"/>
-            <p:cNvSpPr txBox="1"/>
-            <p:nvPr/>
-          </p:nvSpPr>
-          <p:spPr>
-            <a:xfrm>
-              <a:off x="3275856" y="4941168"/>
-              <a:ext cx="2304256" cy="369332"/>
-            </a:xfrm>
-            <a:prstGeom prst="rect">
-              <a:avLst/>
-            </a:prstGeom>
-            <a:noFill/>
-          </p:spPr>
-          <p:txBody>
-            <a:bodyPr wrap="square" rtlCol="0">
-              <a:spAutoFit/>
-            </a:bodyPr>
-            <a:lstStyle/>
-            <a:p>
-              <a:r>
-                <a:rPr lang="en-US" altLang="zh-TW" dirty="0" err="1" smtClean="0"/>
-                <a:t>Sematic</a:t>
-              </a:r>
-              <a:r>
-                <a:rPr lang="en-US" altLang="zh-TW" dirty="0" smtClean="0"/>
-                <a:t> Cloud Server</a:t>
-              </a:r>
-              <a:endParaRPr lang="zh-TW" altLang="en-US" dirty="0"/>
+              <a:endParaRPr lang="zh-TW" altLang="en-US" sz="4000" dirty="0">
+                <a:latin typeface="Times New Roman" pitchFamily="18" charset="0"/>
+                <a:cs typeface="Times New Roman" pitchFamily="18" charset="0"/>
+              </a:endParaRPr>
             </a:p>
           </p:txBody>
         </p:sp>
       </p:grpSp>
+    </p:spTree>
+  </p:cSld>
+  <p:clrMapOvr>
+    <a:masterClrMapping/>
+  </p:clrMapOvr>
+</p:sld>
+</file>
+
+<file path=ppt/slides/slide3.xml><?xml version="1.0" encoding="utf-8"?>
+<p:sld xmlns:a="http://schemas.openxmlformats.org/drawingml/2006/main" xmlns:r="http://schemas.openxmlformats.org/officeDocument/2006/relationships" xmlns:p="http://schemas.openxmlformats.org/presentationml/2006/main">
+  <p:cSld>
+    <p:spTree>
+      <p:nvGrpSpPr>
+        <p:cNvPr id="1" name=""/>
+        <p:cNvGrpSpPr/>
+        <p:nvPr/>
+      </p:nvGrpSpPr>
+      <p:grpSpPr>
+        <a:xfrm>
+          <a:off x="0" y="0"/>
+          <a:ext cx="0" cy="0"/>
+          <a:chOff x="0" y="0"/>
+          <a:chExt cx="0" cy="0"/>
+        </a:xfrm>
+      </p:grpSpPr>
+      <p:sp>
+        <p:nvSpPr>
+          <p:cNvPr id="5" name="文字方塊 4"/>
+          <p:cNvSpPr txBox="1"/>
+          <p:nvPr/>
+        </p:nvSpPr>
+        <p:spPr>
+          <a:xfrm>
+            <a:off x="179512" y="188640"/>
+            <a:ext cx="8712968" cy="6408712"/>
+          </a:xfrm>
+          <a:prstGeom prst="rect">
+            <a:avLst/>
+          </a:prstGeom>
+        </p:spPr>
+        <p:style>
+          <a:lnRef idx="2">
+            <a:schemeClr val="accent1"/>
+          </a:lnRef>
+          <a:fillRef idx="1">
+            <a:schemeClr val="lt1"/>
+          </a:fillRef>
+          <a:effectRef idx="0">
+            <a:schemeClr val="accent1"/>
+          </a:effectRef>
+          <a:fontRef idx="minor">
+            <a:schemeClr val="dk1"/>
+          </a:fontRef>
+        </p:style>
+        <p:txBody>
+          <a:bodyPr wrap="square" rtlCol="0">
+            <a:spAutoFit/>
+          </a:bodyPr>
+          <a:lstStyle/>
+          <a:p>
+            <a:endParaRPr lang="en-US" altLang="zh-TW" dirty="0" smtClean="0"/>
+          </a:p>
+          <a:p>
+            <a:endParaRPr lang="en-US" altLang="zh-TW" dirty="0" smtClean="0"/>
+          </a:p>
+          <a:p>
+            <a:endParaRPr lang="en-US" altLang="zh-TW" dirty="0" smtClean="0"/>
+          </a:p>
+          <a:p>
+            <a:endParaRPr lang="en-US" altLang="zh-TW" dirty="0" smtClean="0"/>
+          </a:p>
+          <a:p>
+            <a:endParaRPr lang="en-US" altLang="zh-TW" dirty="0" smtClean="0"/>
+          </a:p>
+          <a:p>
+            <a:endParaRPr lang="en-US" altLang="zh-TW" dirty="0" smtClean="0"/>
+          </a:p>
+          <a:p>
+            <a:endParaRPr lang="en-US" altLang="zh-TW" dirty="0" smtClean="0"/>
+          </a:p>
+          <a:p>
+            <a:endParaRPr lang="en-US" altLang="zh-TW" dirty="0" smtClean="0"/>
+          </a:p>
+          <a:p>
+            <a:endParaRPr lang="en-US" altLang="zh-TW" dirty="0" smtClean="0"/>
+          </a:p>
+          <a:p>
+            <a:endParaRPr lang="en-US" altLang="zh-TW" dirty="0" smtClean="0"/>
+          </a:p>
+          <a:p>
+            <a:endParaRPr lang="en-US" altLang="zh-TW" dirty="0" smtClean="0"/>
+          </a:p>
+          <a:p>
+            <a:endParaRPr lang="en-US" altLang="zh-TW" dirty="0" smtClean="0"/>
+          </a:p>
+          <a:p>
+            <a:endParaRPr lang="en-US" altLang="zh-TW" dirty="0" smtClean="0"/>
+          </a:p>
+          <a:p>
+            <a:endParaRPr lang="en-US" altLang="zh-TW" dirty="0" smtClean="0"/>
+          </a:p>
+          <a:p>
+            <a:endParaRPr lang="en-US" altLang="zh-TW" dirty="0" smtClean="0"/>
+          </a:p>
+          <a:p>
+            <a:endParaRPr lang="en-US" altLang="zh-TW" dirty="0" smtClean="0"/>
+          </a:p>
+          <a:p>
+            <a:endParaRPr lang="en-US" altLang="zh-TW" dirty="0" smtClean="0"/>
+          </a:p>
+          <a:p>
+            <a:endParaRPr lang="en-US" altLang="zh-TW" dirty="0" smtClean="0"/>
+          </a:p>
+          <a:p>
+            <a:endParaRPr lang="en-US" altLang="zh-TW" dirty="0" smtClean="0"/>
+          </a:p>
+          <a:p>
+            <a:endParaRPr lang="en-US" altLang="zh-TW" dirty="0" smtClean="0"/>
+          </a:p>
+          <a:p>
+            <a:endParaRPr lang="en-US" altLang="zh-TW" dirty="0" smtClean="0"/>
+          </a:p>
+          <a:p>
+            <a:endParaRPr lang="zh-TW" altLang="en-US" dirty="0"/>
+          </a:p>
+        </p:txBody>
+      </p:sp>
+      <p:sp>
+        <p:nvSpPr>
+          <p:cNvPr id="6" name="文字方塊 5"/>
+          <p:cNvSpPr txBox="1"/>
+          <p:nvPr/>
+        </p:nvSpPr>
+        <p:spPr>
+          <a:xfrm>
+            <a:off x="323528" y="5517232"/>
+            <a:ext cx="8424936" cy="369332"/>
+          </a:xfrm>
+          <a:prstGeom prst="rect">
+            <a:avLst/>
+          </a:prstGeom>
+          <a:noFill/>
+        </p:spPr>
+        <p:txBody>
+          <a:bodyPr wrap="square" rtlCol="0">
+            <a:spAutoFit/>
+          </a:bodyPr>
+          <a:lstStyle/>
+          <a:p>
+            <a:endParaRPr lang="zh-TW" altLang="en-US" dirty="0"/>
+          </a:p>
+        </p:txBody>
+      </p:sp>
+      <p:sp>
+        <p:nvSpPr>
+          <p:cNvPr id="7" name="文字方塊 6"/>
+          <p:cNvSpPr txBox="1"/>
+          <p:nvPr/>
+        </p:nvSpPr>
+        <p:spPr>
+          <a:xfrm>
+            <a:off x="467544" y="5661248"/>
+            <a:ext cx="8208912" cy="646331"/>
+          </a:xfrm>
+          <a:prstGeom prst="rect">
+            <a:avLst/>
+          </a:prstGeom>
+        </p:spPr>
+        <p:style>
+          <a:lnRef idx="1">
+            <a:schemeClr val="accent1"/>
+          </a:lnRef>
+          <a:fillRef idx="2">
+            <a:schemeClr val="accent1"/>
+          </a:fillRef>
+          <a:effectRef idx="1">
+            <a:schemeClr val="accent1"/>
+          </a:effectRef>
+          <a:fontRef idx="minor">
+            <a:schemeClr val="dk1"/>
+          </a:fontRef>
+        </p:style>
+        <p:txBody>
+          <a:bodyPr wrap="square" rtlCol="0">
+            <a:spAutoFit/>
+          </a:bodyPr>
+          <a:lstStyle/>
+          <a:p>
+            <a:r>
+              <a:rPr lang="en-US" altLang="zh-TW" dirty="0" smtClean="0"/>
+              <a:t>Linux Kernel</a:t>
+            </a:r>
+          </a:p>
+          <a:p>
+            <a:endParaRPr lang="zh-TW" altLang="en-US" dirty="0"/>
+          </a:p>
+        </p:txBody>
+      </p:sp>
+      <p:sp>
+        <p:nvSpPr>
+          <p:cNvPr id="8" name="文字方塊 7"/>
+          <p:cNvSpPr txBox="1"/>
+          <p:nvPr/>
+        </p:nvSpPr>
+        <p:spPr>
+          <a:xfrm>
+            <a:off x="467544" y="5013176"/>
+            <a:ext cx="8208912" cy="646331"/>
+          </a:xfrm>
+          <a:prstGeom prst="rect">
+            <a:avLst/>
+          </a:prstGeom>
+        </p:spPr>
+        <p:style>
+          <a:lnRef idx="1">
+            <a:schemeClr val="accent2"/>
+          </a:lnRef>
+          <a:fillRef idx="2">
+            <a:schemeClr val="accent2"/>
+          </a:fillRef>
+          <a:effectRef idx="1">
+            <a:schemeClr val="accent2"/>
+          </a:effectRef>
+          <a:fontRef idx="minor">
+            <a:schemeClr val="dk1"/>
+          </a:fontRef>
+        </p:style>
+        <p:txBody>
+          <a:bodyPr wrap="square" rtlCol="0">
+            <a:spAutoFit/>
+          </a:bodyPr>
+          <a:lstStyle/>
+          <a:p>
+            <a:r>
+              <a:rPr lang="en-US" altLang="zh-TW" dirty="0" smtClean="0"/>
+              <a:t>Linux OS</a:t>
+            </a:r>
+          </a:p>
+          <a:p>
+            <a:endParaRPr lang="zh-TW" altLang="en-US" dirty="0"/>
+          </a:p>
+        </p:txBody>
+      </p:sp>
+      <p:sp>
+        <p:nvSpPr>
+          <p:cNvPr id="9" name="文字方塊 8"/>
+          <p:cNvSpPr txBox="1"/>
+          <p:nvPr/>
+        </p:nvSpPr>
+        <p:spPr>
+          <a:xfrm>
+            <a:off x="467544" y="4365104"/>
+            <a:ext cx="8208912" cy="646331"/>
+          </a:xfrm>
+          <a:prstGeom prst="rect">
+            <a:avLst/>
+          </a:prstGeom>
+        </p:spPr>
+        <p:style>
+          <a:lnRef idx="1">
+            <a:schemeClr val="accent3"/>
+          </a:lnRef>
+          <a:fillRef idx="2">
+            <a:schemeClr val="accent3"/>
+          </a:fillRef>
+          <a:effectRef idx="1">
+            <a:schemeClr val="accent3"/>
+          </a:effectRef>
+          <a:fontRef idx="minor">
+            <a:schemeClr val="dk1"/>
+          </a:fontRef>
+        </p:style>
+        <p:txBody>
+          <a:bodyPr wrap="square" rtlCol="0">
+            <a:spAutoFit/>
+          </a:bodyPr>
+          <a:lstStyle/>
+          <a:p>
+            <a:r>
+              <a:rPr lang="en-US" altLang="zh-TW" dirty="0" smtClean="0"/>
+              <a:t>GNU C++ Library</a:t>
+            </a:r>
+          </a:p>
+          <a:p>
+            <a:endParaRPr lang="zh-TW" altLang="en-US" dirty="0"/>
+          </a:p>
+        </p:txBody>
+      </p:sp>
+      <p:sp>
+        <p:nvSpPr>
+          <p:cNvPr id="10" name="文字方塊 9"/>
+          <p:cNvSpPr txBox="1"/>
+          <p:nvPr/>
+        </p:nvSpPr>
+        <p:spPr>
+          <a:xfrm>
+            <a:off x="467544" y="764704"/>
+            <a:ext cx="2448272" cy="3600986"/>
+          </a:xfrm>
+          <a:prstGeom prst="rect">
+            <a:avLst/>
+          </a:prstGeom>
+        </p:spPr>
+        <p:style>
+          <a:lnRef idx="1">
+            <a:schemeClr val="accent6"/>
+          </a:lnRef>
+          <a:fillRef idx="3">
+            <a:schemeClr val="accent6"/>
+          </a:fillRef>
+          <a:effectRef idx="2">
+            <a:schemeClr val="accent6"/>
+          </a:effectRef>
+          <a:fontRef idx="minor">
+            <a:schemeClr val="lt1"/>
+          </a:fontRef>
+        </p:style>
+        <p:txBody>
+          <a:bodyPr wrap="square" rtlCol="0">
+            <a:spAutoFit/>
+          </a:bodyPr>
+          <a:lstStyle/>
+          <a:p>
+            <a:r>
+              <a:rPr lang="en-US" altLang="zh-TW" sz="2800" dirty="0" smtClean="0"/>
+              <a:t>Command Message Protocol</a:t>
+            </a:r>
+            <a:endParaRPr lang="en-US" altLang="zh-TW" dirty="0" smtClean="0"/>
+          </a:p>
+          <a:p>
+            <a:endParaRPr lang="en-US" altLang="zh-TW" dirty="0" smtClean="0"/>
+          </a:p>
+          <a:p>
+            <a:endParaRPr lang="en-US" altLang="zh-TW" dirty="0" smtClean="0"/>
+          </a:p>
+          <a:p>
+            <a:endParaRPr lang="en-US" altLang="zh-TW" dirty="0" smtClean="0"/>
+          </a:p>
+          <a:p>
+            <a:endParaRPr lang="en-US" altLang="zh-TW" dirty="0" smtClean="0"/>
+          </a:p>
+          <a:p>
+            <a:endParaRPr lang="en-US" altLang="zh-TW" dirty="0" smtClean="0"/>
+          </a:p>
+          <a:p>
+            <a:endParaRPr lang="en-US" altLang="zh-TW" dirty="0" smtClean="0"/>
+          </a:p>
+          <a:p>
+            <a:endParaRPr lang="en-US" altLang="zh-TW" dirty="0" smtClean="0"/>
+          </a:p>
+          <a:p>
+            <a:endParaRPr lang="zh-TW" altLang="en-US" dirty="0"/>
+          </a:p>
+        </p:txBody>
+      </p:sp>
+      <p:sp>
+        <p:nvSpPr>
+          <p:cNvPr id="11" name="文字方塊 10"/>
+          <p:cNvSpPr txBox="1"/>
+          <p:nvPr/>
+        </p:nvSpPr>
+        <p:spPr>
+          <a:xfrm>
+            <a:off x="3347864" y="764704"/>
+            <a:ext cx="2448272" cy="3600986"/>
+          </a:xfrm>
+          <a:prstGeom prst="rect">
+            <a:avLst/>
+          </a:prstGeom>
+        </p:spPr>
+        <p:style>
+          <a:lnRef idx="1">
+            <a:schemeClr val="accent4"/>
+          </a:lnRef>
+          <a:fillRef idx="3">
+            <a:schemeClr val="accent4"/>
+          </a:fillRef>
+          <a:effectRef idx="2">
+            <a:schemeClr val="accent4"/>
+          </a:effectRef>
+          <a:fontRef idx="minor">
+            <a:schemeClr val="lt1"/>
+          </a:fontRef>
+        </p:style>
+        <p:txBody>
+          <a:bodyPr wrap="square" rtlCol="0">
+            <a:spAutoFit/>
+          </a:bodyPr>
+          <a:lstStyle/>
+          <a:p>
+            <a:r>
+              <a:rPr lang="en-US" altLang="zh-TW" sz="2800" dirty="0" smtClean="0"/>
+              <a:t>Content Control Module</a:t>
+            </a:r>
+            <a:endParaRPr lang="en-US" altLang="zh-TW" dirty="0" smtClean="0"/>
+          </a:p>
+          <a:p>
+            <a:endParaRPr lang="en-US" altLang="zh-TW" dirty="0" smtClean="0"/>
+          </a:p>
+          <a:p>
+            <a:endParaRPr lang="en-US" altLang="zh-TW" dirty="0" smtClean="0"/>
+          </a:p>
+          <a:p>
+            <a:endParaRPr lang="en-US" altLang="zh-TW" dirty="0" smtClean="0"/>
+          </a:p>
+          <a:p>
+            <a:endParaRPr lang="en-US" altLang="zh-TW" dirty="0" smtClean="0"/>
+          </a:p>
+          <a:p>
+            <a:endParaRPr lang="en-US" altLang="zh-TW" dirty="0" smtClean="0"/>
+          </a:p>
+          <a:p>
+            <a:endParaRPr lang="en-US" altLang="zh-TW" dirty="0" smtClean="0"/>
+          </a:p>
+          <a:p>
+            <a:endParaRPr lang="en-US" altLang="zh-TW" dirty="0" smtClean="0"/>
+          </a:p>
+          <a:p>
+            <a:endParaRPr lang="zh-TW" altLang="en-US" dirty="0"/>
+          </a:p>
+        </p:txBody>
+      </p:sp>
+      <p:sp>
+        <p:nvSpPr>
+          <p:cNvPr id="12" name="文字方塊 11"/>
+          <p:cNvSpPr txBox="1"/>
+          <p:nvPr/>
+        </p:nvSpPr>
+        <p:spPr>
+          <a:xfrm>
+            <a:off x="6300192" y="764118"/>
+            <a:ext cx="2304256" cy="3600986"/>
+          </a:xfrm>
+          <a:prstGeom prst="rect">
+            <a:avLst/>
+          </a:prstGeom>
+        </p:spPr>
+        <p:style>
+          <a:lnRef idx="1">
+            <a:schemeClr val="accent3"/>
+          </a:lnRef>
+          <a:fillRef idx="3">
+            <a:schemeClr val="accent3"/>
+          </a:fillRef>
+          <a:effectRef idx="2">
+            <a:schemeClr val="accent3"/>
+          </a:effectRef>
+          <a:fontRef idx="minor">
+            <a:schemeClr val="lt1"/>
+          </a:fontRef>
+        </p:style>
+        <p:txBody>
+          <a:bodyPr wrap="square" rtlCol="0">
+            <a:spAutoFit/>
+          </a:bodyPr>
+          <a:lstStyle/>
+          <a:p>
+            <a:r>
+              <a:rPr lang="en-US" altLang="zh-TW" sz="2800" dirty="0" smtClean="0"/>
+              <a:t>MySQL Control Module</a:t>
+            </a:r>
+            <a:endParaRPr lang="en-US" altLang="zh-TW" dirty="0" smtClean="0"/>
+          </a:p>
+          <a:p>
+            <a:endParaRPr lang="en-US" altLang="zh-TW" dirty="0" smtClean="0"/>
+          </a:p>
+          <a:p>
+            <a:endParaRPr lang="en-US" altLang="zh-TW" dirty="0" smtClean="0"/>
+          </a:p>
+          <a:p>
+            <a:endParaRPr lang="en-US" altLang="zh-TW" dirty="0" smtClean="0"/>
+          </a:p>
+          <a:p>
+            <a:endParaRPr lang="en-US" altLang="zh-TW" dirty="0" smtClean="0"/>
+          </a:p>
+          <a:p>
+            <a:endParaRPr lang="en-US" altLang="zh-TW" dirty="0" smtClean="0"/>
+          </a:p>
+          <a:p>
+            <a:endParaRPr lang="en-US" altLang="zh-TW" dirty="0" smtClean="0"/>
+          </a:p>
+          <a:p>
+            <a:endParaRPr lang="en-US" altLang="zh-TW" dirty="0" smtClean="0"/>
+          </a:p>
+          <a:p>
+            <a:endParaRPr lang="zh-TW" altLang="en-US" dirty="0"/>
+          </a:p>
+        </p:txBody>
+      </p:sp>
     </p:spTree>
   </p:cSld>
   <p:clrMapOvr>
